--- a/pyWorks/자료/django_ppt/polls_ppt/polls 3장. 템플릿 - html.pptx
+++ b/pyWorks/자료/django_ppt/polls_ppt/polls 3장. 템플릿 - html.pptx
@@ -5,30 +5,31 @@
     <p:sldMasterId id="2147483648" r:id="rId1"/>
   </p:sldMasterIdLst>
   <p:notesMasterIdLst>
-    <p:notesMasterId r:id="rId23"/>
+    <p:notesMasterId r:id="rId24"/>
   </p:notesMasterIdLst>
   <p:sldIdLst>
     <p:sldId id="256" r:id="rId2"/>
     <p:sldId id="411" r:id="rId3"/>
     <p:sldId id="412" r:id="rId4"/>
     <p:sldId id="413" r:id="rId5"/>
-    <p:sldId id="414" r:id="rId6"/>
-    <p:sldId id="415" r:id="rId7"/>
-    <p:sldId id="369" r:id="rId8"/>
-    <p:sldId id="371" r:id="rId9"/>
-    <p:sldId id="373" r:id="rId10"/>
-    <p:sldId id="375" r:id="rId11"/>
-    <p:sldId id="396" r:id="rId12"/>
-    <p:sldId id="380" r:id="rId13"/>
-    <p:sldId id="397" r:id="rId14"/>
-    <p:sldId id="382" r:id="rId15"/>
-    <p:sldId id="379" r:id="rId16"/>
-    <p:sldId id="387" r:id="rId17"/>
-    <p:sldId id="409" r:id="rId18"/>
-    <p:sldId id="410" r:id="rId19"/>
-    <p:sldId id="408" r:id="rId20"/>
-    <p:sldId id="388" r:id="rId21"/>
-    <p:sldId id="389" r:id="rId22"/>
+    <p:sldId id="369" r:id="rId6"/>
+    <p:sldId id="416" r:id="rId7"/>
+    <p:sldId id="371" r:id="rId8"/>
+    <p:sldId id="373" r:id="rId9"/>
+    <p:sldId id="375" r:id="rId10"/>
+    <p:sldId id="396" r:id="rId11"/>
+    <p:sldId id="380" r:id="rId12"/>
+    <p:sldId id="397" r:id="rId13"/>
+    <p:sldId id="382" r:id="rId14"/>
+    <p:sldId id="379" r:id="rId15"/>
+    <p:sldId id="387" r:id="rId16"/>
+    <p:sldId id="409" r:id="rId17"/>
+    <p:sldId id="410" r:id="rId18"/>
+    <p:sldId id="408" r:id="rId19"/>
+    <p:sldId id="388" r:id="rId20"/>
+    <p:sldId id="389" r:id="rId21"/>
+    <p:sldId id="417" r:id="rId22"/>
+    <p:sldId id="418" r:id="rId23"/>
   </p:sldIdLst>
   <p:sldSz cx="9906000" cy="6858000" type="A4"/>
   <p:notesSz cx="6858000" cy="9144000"/>
@@ -228,7 +229,7 @@
           <a:p>
             <a:fld id="{7665CDAC-D627-4E87-877A-1B781DD4CADC}" type="datetimeFigureOut">
               <a:rPr lang="ko-KR" altLang="en-US" smtClean="0"/>
-              <a:t>2023-06-06</a:t>
+              <a:t>2023-06-17</a:t>
             </a:fld>
             <a:endParaRPr lang="ko-KR" altLang="en-US"/>
           </a:p>
@@ -644,7 +645,7 @@
           <a:p>
             <a:fld id="{0FADDD8A-FD4C-4C63-90D4-202AFE8080B2}" type="slidenum">
               <a:rPr lang="ko-KR" altLang="en-US" smtClean="0"/>
-              <a:t>20</a:t>
+              <a:t>19</a:t>
             </a:fld>
             <a:endParaRPr lang="ko-KR" altLang="en-US"/>
           </a:p>
@@ -728,7 +729,7 @@
           <a:p>
             <a:fld id="{0FADDD8A-FD4C-4C63-90D4-202AFE8080B2}" type="slidenum">
               <a:rPr lang="ko-KR" altLang="en-US" smtClean="0"/>
-              <a:t>21</a:t>
+              <a:t>20</a:t>
             </a:fld>
             <a:endParaRPr lang="ko-KR" altLang="en-US"/>
           </a:p>
@@ -808,7 +809,7 @@
           <a:p>
             <a:fld id="{C25BCFD5-C4DF-4EBC-B718-C69ED2FBDE6F}" type="datetime1">
               <a:rPr lang="ko-KR" altLang="en-US" smtClean="0"/>
-              <a:t>2023-06-06</a:t>
+              <a:t>2023-06-17</a:t>
             </a:fld>
             <a:endParaRPr lang="ko-KR" altLang="en-US"/>
           </a:p>
@@ -1259,7 +1260,7 @@
           <a:p>
             <a:fld id="{AB448CD7-D367-43D5-B461-ACE552E75063}" type="datetime1">
               <a:rPr lang="ko-KR" altLang="en-US" smtClean="0"/>
-              <a:t>2023-06-06</a:t>
+              <a:t>2023-06-17</a:t>
             </a:fld>
             <a:endParaRPr lang="ko-KR" altLang="en-US"/>
           </a:p>
@@ -1437,7 +1438,7 @@
           <a:p>
             <a:fld id="{B6E49E79-7361-4780-8BEF-7EDE3708298A}" type="datetime1">
               <a:rPr lang="ko-KR" altLang="en-US" smtClean="0"/>
-              <a:t>2023-06-06</a:t>
+              <a:t>2023-06-17</a:t>
             </a:fld>
             <a:endParaRPr lang="ko-KR" altLang="en-US"/>
           </a:p>
@@ -1609,7 +1610,7 @@
           <a:p>
             <a:fld id="{A4D42E3C-B70B-437C-85CF-1286301B9CBA}" type="datetime1">
               <a:rPr lang="ko-KR" altLang="en-US" smtClean="0"/>
-              <a:t>2023-06-06</a:t>
+              <a:t>2023-06-17</a:t>
             </a:fld>
             <a:endParaRPr lang="ko-KR" altLang="en-US"/>
           </a:p>
@@ -1861,7 +1862,7 @@
           <a:p>
             <a:fld id="{B3369A20-5B3D-4D98-A822-26B93D177A40}" type="datetime1">
               <a:rPr lang="ko-KR" altLang="en-US" smtClean="0"/>
-              <a:t>2023-06-06</a:t>
+              <a:t>2023-06-17</a:t>
             </a:fld>
             <a:endParaRPr lang="ko-KR" altLang="en-US"/>
           </a:p>
@@ -2146,7 +2147,7 @@
           <a:p>
             <a:fld id="{685CD4CE-9E43-4F70-A9D8-A2130CA7D92A}" type="datetime1">
               <a:rPr lang="ko-KR" altLang="en-US" smtClean="0"/>
-              <a:t>2023-06-06</a:t>
+              <a:t>2023-06-17</a:t>
             </a:fld>
             <a:endParaRPr lang="ko-KR" altLang="en-US"/>
           </a:p>
@@ -2572,7 +2573,7 @@
           <a:p>
             <a:fld id="{F752BD92-DA3E-4A0B-90C9-7DE5E15B6E96}" type="datetime1">
               <a:rPr lang="ko-KR" altLang="en-US" smtClean="0"/>
-              <a:t>2023-06-06</a:t>
+              <a:t>2023-06-17</a:t>
             </a:fld>
             <a:endParaRPr lang="ko-KR" altLang="en-US"/>
           </a:p>
@@ -2696,7 +2697,7 @@
           <a:p>
             <a:fld id="{8EA2B83A-F366-424E-B742-340ACF856BB5}" type="datetime1">
               <a:rPr lang="ko-KR" altLang="en-US" smtClean="0"/>
-              <a:t>2023-06-06</a:t>
+              <a:t>2023-06-17</a:t>
             </a:fld>
             <a:endParaRPr lang="ko-KR" altLang="en-US"/>
           </a:p>
@@ -2791,7 +2792,7 @@
           <a:p>
             <a:fld id="{9A49D68B-5DBD-48E9-A8D4-FCBC4B3DD9C6}" type="datetime1">
               <a:rPr lang="ko-KR" altLang="en-US" smtClean="0"/>
-              <a:t>2023-06-06</a:t>
+              <a:t>2023-06-17</a:t>
             </a:fld>
             <a:endParaRPr lang="ko-KR" altLang="en-US"/>
           </a:p>
@@ -3066,7 +3067,7 @@
           <a:p>
             <a:fld id="{4CAB534F-7D16-467B-9320-91F98915D181}" type="datetime1">
               <a:rPr lang="ko-KR" altLang="en-US" smtClean="0"/>
-              <a:t>2023-06-06</a:t>
+              <a:t>2023-06-17</a:t>
             </a:fld>
             <a:endParaRPr lang="ko-KR" altLang="en-US"/>
           </a:p>
@@ -3318,7 +3319,7 @@
           <a:p>
             <a:fld id="{A390A91F-2F8D-4486-A69D-D680F95444B0}" type="datetime1">
               <a:rPr lang="ko-KR" altLang="en-US" smtClean="0"/>
-              <a:t>2023-06-06</a:t>
+              <a:t>2023-06-17</a:t>
             </a:fld>
             <a:endParaRPr lang="ko-KR" altLang="en-US"/>
           </a:p>
@@ -3497,7 +3498,7 @@
           <a:p>
             <a:fld id="{2238BBEA-E8DD-414A-BF68-FC2AFA7CFF2D}" type="datetime1">
               <a:rPr lang="ko-KR" altLang="en-US" smtClean="0"/>
-              <a:t>2023-06-06</a:t>
+              <a:t>2023-06-17</a:t>
             </a:fld>
             <a:endParaRPr lang="ko-KR" altLang="en-US"/>
           </a:p>
@@ -4436,16 +4437,13 @@
           <a:p>
             <a:r>
               <a:rPr lang="en-US" altLang="ko-KR" dirty="0"/>
-              <a:t> </a:t>
+              <a:t> URL </a:t>
             </a:r>
             <a:r>
               <a:rPr lang="ko-KR" altLang="en-US" dirty="0" smtClean="0"/>
-              <a:t>설문 상세 </a:t>
-            </a:r>
-            <a:r>
-              <a:rPr lang="ko-KR" altLang="en-US" dirty="0"/>
-              <a:t>페이지 만들기</a:t>
-            </a:r>
+              <a:t>네임 스페이스 </a:t>
+            </a:r>
+            <a:endParaRPr lang="ko-KR" altLang="en-US" dirty="0"/>
           </a:p>
         </p:txBody>
       </p:sp>
@@ -4467,281 +4465,6 @@
             <a:fld id="{1BDE3FE7-3AEA-4B05-AC5A-802D1816ACF0}" type="slidenum">
               <a:rPr lang="ko-KR" altLang="en-US" smtClean="0"/>
               <a:t>10</a:t>
-            </a:fld>
-            <a:endParaRPr lang="ko-KR" altLang="en-US"/>
-          </a:p>
-        </p:txBody>
-      </p:sp>
-      <p:sp>
-        <p:nvSpPr>
-          <p:cNvPr id="7" name="TextBox 6"/>
-          <p:cNvSpPr txBox="1"/>
-          <p:nvPr/>
-        </p:nvSpPr>
-        <p:spPr>
-          <a:xfrm>
-            <a:off x="992560" y="1124744"/>
-            <a:ext cx="4536504" cy="553998"/>
-          </a:xfrm>
-          <a:prstGeom prst="rect">
-            <a:avLst/>
-          </a:prstGeom>
-          <a:ln>
-            <a:noFill/>
-          </a:ln>
-        </p:spPr>
-        <p:style>
-          <a:lnRef idx="2">
-            <a:schemeClr val="dk1"/>
-          </a:lnRef>
-          <a:fillRef idx="1">
-            <a:schemeClr val="lt1"/>
-          </a:fillRef>
-          <a:effectRef idx="0">
-            <a:schemeClr val="dk1"/>
-          </a:effectRef>
-          <a:fontRef idx="minor">
-            <a:schemeClr val="dk1"/>
-          </a:fontRef>
-        </p:style>
-        <p:txBody>
-          <a:bodyPr wrap="square" rtlCol="0">
-            <a:spAutoFit/>
-          </a:bodyPr>
-          <a:lstStyle/>
-          <a:p>
-            <a:pPr marL="342900" indent="-342900">
-              <a:lnSpc>
-                <a:spcPct val="150000"/>
-              </a:lnSpc>
-              <a:buFont typeface="Wingdings" panose="05000000000000000000" pitchFamily="2" charset="2"/>
-              <a:buChar char="u"/>
-            </a:pPr>
-            <a:r>
-              <a:rPr lang="ko-KR" altLang="en-US" sz="2000" dirty="0" smtClean="0">
-                <a:latin typeface="휴먼엑스포" panose="02030504000101010101" pitchFamily="18" charset="-127"/>
-                <a:ea typeface="휴먼엑스포" panose="02030504000101010101" pitchFamily="18" charset="-127"/>
-              </a:rPr>
-              <a:t>설</a:t>
-            </a:r>
-            <a:r>
-              <a:rPr lang="ko-KR" altLang="en-US" sz="2000" dirty="0">
-                <a:latin typeface="휴먼엑스포" panose="02030504000101010101" pitchFamily="18" charset="-127"/>
-                <a:ea typeface="휴먼엑스포" panose="02030504000101010101" pitchFamily="18" charset="-127"/>
-              </a:rPr>
-              <a:t>문</a:t>
-            </a:r>
-            <a:r>
-              <a:rPr lang="ko-KR" altLang="en-US" sz="2000" dirty="0" smtClean="0">
-                <a:latin typeface="휴먼엑스포" panose="02030504000101010101" pitchFamily="18" charset="-127"/>
-                <a:ea typeface="휴먼엑스포" panose="02030504000101010101" pitchFamily="18" charset="-127"/>
-              </a:rPr>
-              <a:t> 상세 페이지</a:t>
-            </a:r>
-            <a:endParaRPr lang="en-US" altLang="ko-KR" sz="2000" dirty="0" smtClean="0">
-              <a:latin typeface="휴먼엑스포" panose="02030504000101010101" pitchFamily="18" charset="-127"/>
-              <a:ea typeface="휴먼엑스포" panose="02030504000101010101" pitchFamily="18" charset="-127"/>
-            </a:endParaRPr>
-          </a:p>
-        </p:txBody>
-      </p:sp>
-      <p:sp>
-        <p:nvSpPr>
-          <p:cNvPr id="9" name="TextBox 8"/>
-          <p:cNvSpPr txBox="1"/>
-          <p:nvPr/>
-        </p:nvSpPr>
-        <p:spPr>
-          <a:xfrm>
-            <a:off x="1397293" y="1628800"/>
-            <a:ext cx="4824536" cy="454292"/>
-          </a:xfrm>
-          <a:prstGeom prst="rect">
-            <a:avLst/>
-          </a:prstGeom>
-          <a:noFill/>
-        </p:spPr>
-        <p:txBody>
-          <a:bodyPr wrap="square" rtlCol="0">
-            <a:spAutoFit/>
-          </a:bodyPr>
-          <a:lstStyle/>
-          <a:p>
-            <a:pPr>
-              <a:lnSpc>
-                <a:spcPct val="150000"/>
-              </a:lnSpc>
-            </a:pPr>
-            <a:r>
-              <a:rPr lang="en-US" altLang="ko-KR" dirty="0" smtClean="0"/>
-              <a:t>3. poll/detail.html </a:t>
-            </a:r>
-            <a:r>
-              <a:rPr lang="ko-KR" altLang="en-US" dirty="0" smtClean="0"/>
-              <a:t>작성</a:t>
-            </a:r>
-            <a:endParaRPr lang="en-US" altLang="ko-KR" dirty="0" smtClean="0"/>
-          </a:p>
-        </p:txBody>
-      </p:sp>
-      <p:pic>
-        <p:nvPicPr>
-          <p:cNvPr id="3" name="그림 2"/>
-          <p:cNvPicPr>
-            <a:picLocks noChangeAspect="1"/>
-          </p:cNvPicPr>
-          <p:nvPr/>
-        </p:nvPicPr>
-        <p:blipFill>
-          <a:blip r:embed="rId2">
-            <a:extLst>
-              <a:ext uri="{28A0092B-C50C-407E-A947-70E740481C1C}">
-                <a14:useLocalDpi xmlns:a14="http://schemas.microsoft.com/office/drawing/2010/main" val="0"/>
-              </a:ext>
-            </a:extLst>
-          </a:blip>
-          <a:stretch>
-            <a:fillRect/>
-          </a:stretch>
-        </p:blipFill>
-        <p:spPr>
-          <a:xfrm>
-            <a:off x="1640632" y="4302682"/>
-            <a:ext cx="6115004" cy="1944216"/>
-          </a:xfrm>
-          <a:prstGeom prst="rect">
-            <a:avLst/>
-          </a:prstGeom>
-          <a:ln>
-            <a:solidFill>
-              <a:schemeClr val="bg1">
-                <a:lumMod val="85000"/>
-              </a:schemeClr>
-            </a:solidFill>
-          </a:ln>
-        </p:spPr>
-      </p:pic>
-      <p:pic>
-        <p:nvPicPr>
-          <p:cNvPr id="8" name="그림 7"/>
-          <p:cNvPicPr>
-            <a:picLocks noChangeAspect="1"/>
-          </p:cNvPicPr>
-          <p:nvPr/>
-        </p:nvPicPr>
-        <p:blipFill>
-          <a:blip r:embed="rId3">
-            <a:extLst>
-              <a:ext uri="{28A0092B-C50C-407E-A947-70E740481C1C}">
-                <a14:useLocalDpi xmlns:a14="http://schemas.microsoft.com/office/drawing/2010/main" val="0"/>
-              </a:ext>
-            </a:extLst>
-          </a:blip>
-          <a:stretch>
-            <a:fillRect/>
-          </a:stretch>
-        </p:blipFill>
-        <p:spPr>
-          <a:xfrm>
-            <a:off x="1640632" y="2214450"/>
-            <a:ext cx="3429297" cy="1905165"/>
-          </a:xfrm>
-          <a:prstGeom prst="rect">
-            <a:avLst/>
-          </a:prstGeom>
-          <a:ln>
-            <a:solidFill>
-              <a:schemeClr val="bg1">
-                <a:lumMod val="85000"/>
-              </a:schemeClr>
-            </a:solidFill>
-          </a:ln>
-        </p:spPr>
-      </p:pic>
-    </p:spTree>
-    <p:extLst>
-      <p:ext uri="{BB962C8B-B14F-4D97-AF65-F5344CB8AC3E}">
-        <p14:creationId xmlns:p14="http://schemas.microsoft.com/office/powerpoint/2010/main" val="251284593"/>
-      </p:ext>
-    </p:extLst>
-  </p:cSld>
-  <p:clrMapOvr>
-    <a:masterClrMapping/>
-  </p:clrMapOvr>
-  <p:timing>
-    <p:tnLst>
-      <p:par>
-        <p:cTn id="1" dur="indefinite" restart="never" nodeType="tmRoot"/>
-      </p:par>
-    </p:tnLst>
-  </p:timing>
-</p:sld>
-</file>
-
-<file path=ppt/slides/slide11.xml><?xml version="1.0" encoding="utf-8"?>
-<p:sld xmlns:a="http://schemas.openxmlformats.org/drawingml/2006/main" xmlns:r="http://schemas.openxmlformats.org/officeDocument/2006/relationships" xmlns:p="http://schemas.openxmlformats.org/presentationml/2006/main">
-  <p:cSld>
-    <p:spTree>
-      <p:nvGrpSpPr>
-        <p:cNvPr id="1" name=""/>
-        <p:cNvGrpSpPr/>
-        <p:nvPr/>
-      </p:nvGrpSpPr>
-      <p:grpSpPr>
-        <a:xfrm>
-          <a:off x="0" y="0"/>
-          <a:ext cx="0" cy="0"/>
-          <a:chOff x="0" y="0"/>
-          <a:chExt cx="0" cy="0"/>
-        </a:xfrm>
-      </p:grpSpPr>
-      <p:sp>
-        <p:nvSpPr>
-          <p:cNvPr id="2" name="제목 1"/>
-          <p:cNvSpPr>
-            <a:spLocks noGrp="1"/>
-          </p:cNvSpPr>
-          <p:nvPr>
-            <p:ph type="title"/>
-          </p:nvPr>
-        </p:nvSpPr>
-        <p:spPr/>
-        <p:txBody>
-          <a:bodyPr>
-            <a:normAutofit/>
-          </a:bodyPr>
-          <a:lstStyle/>
-          <a:p>
-            <a:r>
-              <a:rPr lang="en-US" altLang="ko-KR" dirty="0"/>
-              <a:t> URL </a:t>
-            </a:r>
-            <a:r>
-              <a:rPr lang="ko-KR" altLang="en-US" dirty="0" smtClean="0"/>
-              <a:t>네임 스페이스 </a:t>
-            </a:r>
-            <a:endParaRPr lang="ko-KR" altLang="en-US" dirty="0"/>
-          </a:p>
-        </p:txBody>
-      </p:sp>
-      <p:sp>
-        <p:nvSpPr>
-          <p:cNvPr id="4" name="슬라이드 번호 개체 틀 3"/>
-          <p:cNvSpPr>
-            <a:spLocks noGrp="1"/>
-          </p:cNvSpPr>
-          <p:nvPr>
-            <p:ph type="sldNum" sz="quarter" idx="12"/>
-          </p:nvPr>
-        </p:nvSpPr>
-        <p:spPr/>
-        <p:txBody>
-          <a:bodyPr/>
-          <a:lstStyle/>
-          <a:p>
-            <a:fld id="{1BDE3FE7-3AEA-4B05-AC5A-802D1816ACF0}" type="slidenum">
-              <a:rPr lang="ko-KR" altLang="en-US" smtClean="0"/>
-              <a:t>11</a:t>
             </a:fld>
             <a:endParaRPr lang="ko-KR" altLang="en-US"/>
           </a:p>
@@ -4968,7 +4691,7 @@
 </p:sld>
 </file>
 
-<file path=ppt/slides/slide12.xml><?xml version="1.0" encoding="utf-8"?>
+<file path=ppt/slides/slide11.xml><?xml version="1.0" encoding="utf-8"?>
 <p:sld xmlns:a="http://schemas.openxmlformats.org/drawingml/2006/main" xmlns:r="http://schemas.openxmlformats.org/officeDocument/2006/relationships" xmlns:p="http://schemas.openxmlformats.org/presentationml/2006/main">
   <p:cSld>
     <p:spTree>
@@ -5030,7 +4753,7 @@
           <a:p>
             <a:fld id="{1BDE3FE7-3AEA-4B05-AC5A-802D1816ACF0}" type="slidenum">
               <a:rPr lang="ko-KR" altLang="en-US" smtClean="0"/>
-              <a:t>12</a:t>
+              <a:t>11</a:t>
             </a:fld>
             <a:endParaRPr lang="ko-KR" altLang="en-US"/>
           </a:p>
@@ -5204,7 +4927,7 @@
 </p:sld>
 </file>
 
-<file path=ppt/slides/slide13.xml><?xml version="1.0" encoding="utf-8"?>
+<file path=ppt/slides/slide12.xml><?xml version="1.0" encoding="utf-8"?>
 <p:sld xmlns:a="http://schemas.openxmlformats.org/drawingml/2006/main" xmlns:r="http://schemas.openxmlformats.org/officeDocument/2006/relationships" xmlns:p="http://schemas.openxmlformats.org/presentationml/2006/main">
   <p:cSld>
     <p:spTree>
@@ -5266,7 +4989,7 @@
           <a:p>
             <a:fld id="{1BDE3FE7-3AEA-4B05-AC5A-802D1816ACF0}" type="slidenum">
               <a:rPr lang="ko-KR" altLang="en-US" smtClean="0"/>
-              <a:t>13</a:t>
+              <a:t>12</a:t>
             </a:fld>
             <a:endParaRPr lang="ko-KR" altLang="en-US"/>
           </a:p>
@@ -5442,7 +5165,7 @@
 </p:sld>
 </file>
 
-<file path=ppt/slides/slide14.xml><?xml version="1.0" encoding="utf-8"?>
+<file path=ppt/slides/slide13.xml><?xml version="1.0" encoding="utf-8"?>
 <p:sld xmlns:a="http://schemas.openxmlformats.org/drawingml/2006/main" xmlns:r="http://schemas.openxmlformats.org/officeDocument/2006/relationships" xmlns:p="http://schemas.openxmlformats.org/presentationml/2006/main">
   <p:cSld>
     <p:spTree>
@@ -5505,7 +5228,7 @@
           <a:p>
             <a:fld id="{1BDE3FE7-3AEA-4B05-AC5A-802D1816ACF0}" type="slidenum">
               <a:rPr lang="ko-KR" altLang="en-US" smtClean="0"/>
-              <a:t>14</a:t>
+              <a:t>13</a:t>
             </a:fld>
             <a:endParaRPr lang="ko-KR" altLang="en-US"/>
           </a:p>
@@ -5612,7 +5335,7 @@
 </p:sld>
 </file>
 
-<file path=ppt/slides/slide15.xml><?xml version="1.0" encoding="utf-8"?>
+<file path=ppt/slides/slide14.xml><?xml version="1.0" encoding="utf-8"?>
 <p:sld xmlns:a="http://schemas.openxmlformats.org/drawingml/2006/main" xmlns:r="http://schemas.openxmlformats.org/officeDocument/2006/relationships" xmlns:p="http://schemas.openxmlformats.org/presentationml/2006/main">
   <p:cSld>
     <p:spTree>
@@ -5674,7 +5397,7 @@
           <a:p>
             <a:fld id="{1BDE3FE7-3AEA-4B05-AC5A-802D1816ACF0}" type="slidenum">
               <a:rPr lang="ko-KR" altLang="en-US" smtClean="0"/>
-              <a:t>15</a:t>
+              <a:t>14</a:t>
             </a:fld>
             <a:endParaRPr lang="ko-KR" altLang="en-US"/>
           </a:p>
@@ -5725,13 +5448,8 @@
             </a:r>
             <a:r>
               <a:rPr lang="en-US" altLang="ko-KR" dirty="0" smtClean="0"/>
-              <a:t>– </a:t>
-            </a:r>
-            <a:r>
-              <a:rPr lang="en-US" altLang="ko-KR" dirty="0" smtClean="0"/>
-              <a:t>poll/detail.html</a:t>
-            </a:r>
-            <a:endParaRPr lang="en-US" altLang="ko-KR" dirty="0" smtClean="0"/>
+              <a:t>– poll/detail.html</a:t>
+            </a:r>
           </a:p>
         </p:txBody>
       </p:sp>
@@ -5792,7 +5510,7 @@
 </p:sld>
 </file>
 
-<file path=ppt/slides/slide16.xml><?xml version="1.0" encoding="utf-8"?>
+<file path=ppt/slides/slide15.xml><?xml version="1.0" encoding="utf-8"?>
 <p:sld xmlns:a="http://schemas.openxmlformats.org/drawingml/2006/main" xmlns:r="http://schemas.openxmlformats.org/officeDocument/2006/relationships" xmlns:p="http://schemas.openxmlformats.org/presentationml/2006/main">
   <p:cSld>
     <p:spTree>
@@ -5854,7 +5572,7 @@
           <a:p>
             <a:fld id="{1BDE3FE7-3AEA-4B05-AC5A-802D1816ACF0}" type="slidenum">
               <a:rPr lang="ko-KR" altLang="en-US" smtClean="0"/>
-              <a:t>16</a:t>
+              <a:t>15</a:t>
             </a:fld>
             <a:endParaRPr lang="ko-KR" altLang="en-US"/>
           </a:p>
@@ -5967,7 +5685,7 @@
 </p:sld>
 </file>
 
-<file path=ppt/slides/slide17.xml><?xml version="1.0" encoding="utf-8"?>
+<file path=ppt/slides/slide16.xml><?xml version="1.0" encoding="utf-8"?>
 <p:sld xmlns:a="http://schemas.openxmlformats.org/drawingml/2006/main" xmlns:r="http://schemas.openxmlformats.org/officeDocument/2006/relationships" xmlns:p="http://schemas.openxmlformats.org/presentationml/2006/main">
   <p:cSld>
     <p:spTree>
@@ -6029,7 +5747,7 @@
           <a:p>
             <a:fld id="{1BDE3FE7-3AEA-4B05-AC5A-802D1816ACF0}" type="slidenum">
               <a:rPr lang="ko-KR" altLang="en-US" smtClean="0"/>
-              <a:t>17</a:t>
+              <a:t>16</a:t>
             </a:fld>
             <a:endParaRPr lang="ko-KR" altLang="en-US"/>
           </a:p>
@@ -6134,7 +5852,7 @@
 </p:sld>
 </file>
 
-<file path=ppt/slides/slide18.xml><?xml version="1.0" encoding="utf-8"?>
+<file path=ppt/slides/slide17.xml><?xml version="1.0" encoding="utf-8"?>
 <p:sld xmlns:a="http://schemas.openxmlformats.org/drawingml/2006/main" xmlns:r="http://schemas.openxmlformats.org/officeDocument/2006/relationships" xmlns:p="http://schemas.openxmlformats.org/presentationml/2006/main">
   <p:cSld>
     <p:spTree>
@@ -6196,7 +5914,7 @@
           <a:p>
             <a:fld id="{1BDE3FE7-3AEA-4B05-AC5A-802D1816ACF0}" type="slidenum">
               <a:rPr lang="ko-KR" altLang="en-US" smtClean="0"/>
-              <a:t>18</a:t>
+              <a:t>17</a:t>
             </a:fld>
             <a:endParaRPr lang="ko-KR" altLang="en-US"/>
           </a:p>
@@ -6301,7 +6019,7 @@
 </p:sld>
 </file>
 
-<file path=ppt/slides/slide19.xml><?xml version="1.0" encoding="utf-8"?>
+<file path=ppt/slides/slide18.xml><?xml version="1.0" encoding="utf-8"?>
 <p:sld xmlns:a="http://schemas.openxmlformats.org/drawingml/2006/main" xmlns:r="http://schemas.openxmlformats.org/officeDocument/2006/relationships" xmlns:p="http://schemas.openxmlformats.org/presentationml/2006/main">
   <p:cSld>
     <p:spTree>
@@ -6363,7 +6081,7 @@
           <a:p>
             <a:fld id="{1BDE3FE7-3AEA-4B05-AC5A-802D1816ACF0}" type="slidenum">
               <a:rPr lang="ko-KR" altLang="en-US" smtClean="0"/>
-              <a:t>19</a:t>
+              <a:t>18</a:t>
             </a:fld>
             <a:endParaRPr lang="ko-KR" altLang="en-US"/>
           </a:p>
@@ -6615,7 +6333,7 @@
 </p:sld>
 </file>
 
-<file path=ppt/slides/slide2.xml><?xml version="1.0" encoding="utf-8"?>
+<file path=ppt/slides/slide19.xml><?xml version="1.0" encoding="utf-8"?>
 <p:sld xmlns:a="http://schemas.openxmlformats.org/drawingml/2006/main" xmlns:r="http://schemas.openxmlformats.org/officeDocument/2006/relationships" xmlns:p="http://schemas.openxmlformats.org/presentationml/2006/main">
   <p:cSld>
     <p:spTree>
@@ -6645,566 +6363,6 @@
         <p:spPr/>
         <p:txBody>
           <a:bodyPr>
-            <a:normAutofit fontScale="90000"/>
-          </a:bodyPr>
-          <a:lstStyle/>
-          <a:p>
-            <a:r>
-              <a:rPr lang="en-US" altLang="ko-KR" dirty="0" smtClean="0"/>
-              <a:t> </a:t>
-            </a:r>
-            <a:r>
-              <a:rPr lang="ko-KR" altLang="en-US" dirty="0" smtClean="0"/>
-              <a:t>템플릿으로 질문 목록 페이지 만들기</a:t>
-            </a:r>
-            <a:endParaRPr lang="ko-KR" altLang="en-US" dirty="0"/>
-          </a:p>
-        </p:txBody>
-      </p:sp>
-      <p:sp>
-        <p:nvSpPr>
-          <p:cNvPr id="4" name="슬라이드 번호 개체 틀 3"/>
-          <p:cNvSpPr>
-            <a:spLocks noGrp="1"/>
-          </p:cNvSpPr>
-          <p:nvPr>
-            <p:ph type="sldNum" sz="quarter" idx="12"/>
-          </p:nvPr>
-        </p:nvSpPr>
-        <p:spPr/>
-        <p:txBody>
-          <a:bodyPr/>
-          <a:lstStyle/>
-          <a:p>
-            <a:fld id="{1BDE3FE7-3AEA-4B05-AC5A-802D1816ACF0}" type="slidenum">
-              <a:rPr lang="ko-KR" altLang="en-US" smtClean="0"/>
-              <a:t>2</a:t>
-            </a:fld>
-            <a:endParaRPr lang="ko-KR" altLang="en-US"/>
-          </a:p>
-        </p:txBody>
-      </p:sp>
-      <p:sp>
-        <p:nvSpPr>
-          <p:cNvPr id="14" name="TextBox 13"/>
-          <p:cNvSpPr txBox="1"/>
-          <p:nvPr/>
-        </p:nvSpPr>
-        <p:spPr>
-          <a:xfrm>
-            <a:off x="848544" y="1235368"/>
-            <a:ext cx="8280920" cy="553998"/>
-          </a:xfrm>
-          <a:prstGeom prst="rect">
-            <a:avLst/>
-          </a:prstGeom>
-          <a:ln>
-            <a:noFill/>
-          </a:ln>
-        </p:spPr>
-        <p:style>
-          <a:lnRef idx="2">
-            <a:schemeClr val="dk1"/>
-          </a:lnRef>
-          <a:fillRef idx="1">
-            <a:schemeClr val="lt1"/>
-          </a:fillRef>
-          <a:effectRef idx="0">
-            <a:schemeClr val="dk1"/>
-          </a:effectRef>
-          <a:fontRef idx="minor">
-            <a:schemeClr val="dk1"/>
-          </a:fontRef>
-        </p:style>
-        <p:txBody>
-          <a:bodyPr wrap="square" rtlCol="0">
-            <a:spAutoFit/>
-          </a:bodyPr>
-          <a:lstStyle/>
-          <a:p>
-            <a:pPr marL="342900" indent="-342900">
-              <a:lnSpc>
-                <a:spcPct val="150000"/>
-              </a:lnSpc>
-              <a:buFont typeface="Wingdings" panose="05000000000000000000" pitchFamily="2" charset="2"/>
-              <a:buChar char="u"/>
-            </a:pPr>
-            <a:r>
-              <a:rPr lang="ko-KR" altLang="en-US" sz="2000" dirty="0" smtClean="0">
-                <a:latin typeface="휴먼엑스포" panose="02030504000101010101" pitchFamily="18" charset="-127"/>
-                <a:ea typeface="휴먼엑스포" panose="02030504000101010101" pitchFamily="18" charset="-127"/>
-              </a:rPr>
-              <a:t>템플릿</a:t>
-            </a:r>
-            <a:r>
-              <a:rPr lang="en-US" altLang="ko-KR" sz="2000" dirty="0" smtClean="0">
-                <a:latin typeface="휴먼엑스포" panose="02030504000101010101" pitchFamily="18" charset="-127"/>
-                <a:ea typeface="휴먼엑스포" panose="02030504000101010101" pitchFamily="18" charset="-127"/>
-              </a:rPr>
-              <a:t>(templates) </a:t>
-            </a:r>
-            <a:r>
-              <a:rPr lang="ko-KR" altLang="en-US" sz="2000" dirty="0" smtClean="0">
-                <a:latin typeface="휴먼엑스포" panose="02030504000101010101" pitchFamily="18" charset="-127"/>
-                <a:ea typeface="휴먼엑스포" panose="02030504000101010101" pitchFamily="18" charset="-127"/>
-              </a:rPr>
-              <a:t>환경 설정</a:t>
-            </a:r>
-            <a:endParaRPr lang="en-US" altLang="ko-KR" sz="2000" dirty="0" smtClean="0">
-              <a:latin typeface="휴먼엑스포" panose="02030504000101010101" pitchFamily="18" charset="-127"/>
-              <a:ea typeface="휴먼엑스포" panose="02030504000101010101" pitchFamily="18" charset="-127"/>
-            </a:endParaRPr>
-          </a:p>
-        </p:txBody>
-      </p:sp>
-      <p:sp>
-        <p:nvSpPr>
-          <p:cNvPr id="11" name="TextBox 10"/>
-          <p:cNvSpPr txBox="1"/>
-          <p:nvPr/>
-        </p:nvSpPr>
-        <p:spPr>
-          <a:xfrm>
-            <a:off x="1208584" y="1772816"/>
-            <a:ext cx="6768752" cy="3416320"/>
-          </a:xfrm>
-          <a:prstGeom prst="rect">
-            <a:avLst/>
-          </a:prstGeom>
-          <a:noFill/>
-        </p:spPr>
-        <p:txBody>
-          <a:bodyPr wrap="square" rtlCol="0">
-            <a:spAutoFit/>
-          </a:bodyPr>
-          <a:lstStyle/>
-          <a:p>
-            <a:pPr marL="342900" indent="-342900">
-              <a:lnSpc>
-                <a:spcPct val="150000"/>
-              </a:lnSpc>
-              <a:buAutoNum type="arabicPeriod"/>
-            </a:pPr>
-            <a:r>
-              <a:rPr lang="en-US" altLang="ko-KR" dirty="0"/>
-              <a:t>t</a:t>
-            </a:r>
-            <a:r>
-              <a:rPr lang="en-US" altLang="ko-KR" dirty="0" smtClean="0"/>
-              <a:t>emplates </a:t>
-            </a:r>
-            <a:r>
-              <a:rPr lang="ko-KR" altLang="en-US" dirty="0" smtClean="0"/>
-              <a:t>디렉터리를 루트 디렉터리 바로 밑에 만든다</a:t>
-            </a:r>
-            <a:r>
-              <a:rPr lang="en-US" altLang="ko-KR" dirty="0" smtClean="0"/>
-              <a:t>.</a:t>
-            </a:r>
-          </a:p>
-          <a:p>
-            <a:pPr marL="342900" indent="-342900">
-              <a:lnSpc>
-                <a:spcPct val="150000"/>
-              </a:lnSpc>
-              <a:buAutoNum type="arabicPeriod"/>
-            </a:pPr>
-            <a:endParaRPr lang="en-US" altLang="ko-KR" dirty="0" smtClean="0"/>
-          </a:p>
-          <a:p>
-            <a:pPr marL="342900" indent="-342900">
-              <a:lnSpc>
-                <a:spcPct val="150000"/>
-              </a:lnSpc>
-              <a:buAutoNum type="arabicPeriod"/>
-            </a:pPr>
-            <a:endParaRPr lang="en-US" altLang="ko-KR" dirty="0" smtClean="0"/>
-          </a:p>
-          <a:p>
-            <a:pPr marL="342900" indent="-342900">
-              <a:lnSpc>
-                <a:spcPct val="150000"/>
-              </a:lnSpc>
-              <a:buAutoNum type="arabicPeriod"/>
-            </a:pPr>
-            <a:r>
-              <a:rPr lang="en-US" altLang="ko-KR" dirty="0"/>
-              <a:t>t</a:t>
-            </a:r>
-            <a:r>
-              <a:rPr lang="en-US" altLang="ko-KR" dirty="0" smtClean="0"/>
-              <a:t>emplates </a:t>
-            </a:r>
-            <a:r>
-              <a:rPr lang="ko-KR" altLang="en-US" dirty="0" smtClean="0"/>
-              <a:t>폴더 아래 </a:t>
-            </a:r>
-            <a:r>
-              <a:rPr lang="en-US" altLang="ko-KR" dirty="0" smtClean="0"/>
-              <a:t>poll </a:t>
-            </a:r>
-            <a:r>
-              <a:rPr lang="ko-KR" altLang="en-US" dirty="0" smtClean="0"/>
-              <a:t>폴더 만들기</a:t>
-            </a:r>
-            <a:endParaRPr lang="en-US" altLang="ko-KR" dirty="0"/>
-          </a:p>
-          <a:p>
-            <a:pPr marL="342900" indent="-342900">
-              <a:lnSpc>
-                <a:spcPct val="150000"/>
-              </a:lnSpc>
-              <a:buAutoNum type="arabicPeriod"/>
-            </a:pPr>
-            <a:endParaRPr lang="en-US" altLang="ko-KR" dirty="0" smtClean="0"/>
-          </a:p>
-          <a:p>
-            <a:pPr marL="342900" indent="-342900">
-              <a:lnSpc>
-                <a:spcPct val="150000"/>
-              </a:lnSpc>
-              <a:buAutoNum type="arabicPeriod"/>
-            </a:pPr>
-            <a:endParaRPr lang="en-US" altLang="ko-KR" dirty="0" smtClean="0"/>
-          </a:p>
-          <a:p>
-            <a:pPr marL="342900" indent="-342900">
-              <a:lnSpc>
-                <a:spcPct val="150000"/>
-              </a:lnSpc>
-              <a:buFontTx/>
-              <a:buAutoNum type="arabicPeriod"/>
-            </a:pPr>
-            <a:r>
-              <a:rPr lang="ko-KR" altLang="en-US" dirty="0" smtClean="0"/>
-              <a:t>템플릿 디렉터리 위치를 </a:t>
-            </a:r>
-            <a:r>
-              <a:rPr lang="en-US" altLang="ko-KR" dirty="0" smtClean="0"/>
-              <a:t>config/settings.py</a:t>
-            </a:r>
-            <a:r>
-              <a:rPr lang="ko-KR" altLang="en-US" dirty="0" smtClean="0"/>
-              <a:t>에 등록하기</a:t>
-            </a:r>
-            <a:endParaRPr lang="en-US" altLang="ko-KR" dirty="0" smtClean="0"/>
-          </a:p>
-          <a:p>
-            <a:pPr>
-              <a:lnSpc>
-                <a:spcPct val="150000"/>
-              </a:lnSpc>
-            </a:pPr>
-            <a:endParaRPr lang="en-US" altLang="ko-KR" dirty="0" smtClean="0"/>
-          </a:p>
-        </p:txBody>
-      </p:sp>
-      <p:sp>
-        <p:nvSpPr>
-          <p:cNvPr id="9" name="TextBox 8"/>
-          <p:cNvSpPr txBox="1"/>
-          <p:nvPr/>
-        </p:nvSpPr>
-        <p:spPr>
-          <a:xfrm>
-            <a:off x="1496616" y="4811668"/>
-            <a:ext cx="5760640" cy="1569660"/>
-          </a:xfrm>
-          <a:prstGeom prst="rect">
-            <a:avLst/>
-          </a:prstGeom>
-          <a:noFill/>
-          <a:ln>
-            <a:solidFill>
-              <a:schemeClr val="bg1">
-                <a:lumMod val="85000"/>
-              </a:schemeClr>
-            </a:solidFill>
-          </a:ln>
-        </p:spPr>
-        <p:txBody>
-          <a:bodyPr wrap="square" rtlCol="0">
-            <a:spAutoFit/>
-          </a:bodyPr>
-          <a:lstStyle/>
-          <a:p>
-            <a:pPr>
-              <a:lnSpc>
-                <a:spcPct val="150000"/>
-              </a:lnSpc>
-            </a:pPr>
-            <a:r>
-              <a:rPr lang="en-US" altLang="ko-KR" sz="1600" dirty="0" smtClean="0"/>
-              <a:t>TEMPLATES = [</a:t>
-            </a:r>
-          </a:p>
-          <a:p>
-            <a:pPr>
-              <a:lnSpc>
-                <a:spcPct val="150000"/>
-              </a:lnSpc>
-            </a:pPr>
-            <a:r>
-              <a:rPr lang="en-US" altLang="ko-KR" sz="1600" dirty="0" smtClean="0"/>
-              <a:t>    …...</a:t>
-            </a:r>
-          </a:p>
-          <a:p>
-            <a:pPr>
-              <a:lnSpc>
-                <a:spcPct val="150000"/>
-              </a:lnSpc>
-            </a:pPr>
-            <a:r>
-              <a:rPr lang="en-US" altLang="ko-KR" sz="1600" dirty="0"/>
-              <a:t> </a:t>
-            </a:r>
-            <a:r>
-              <a:rPr lang="en-US" altLang="ko-KR" sz="1600" dirty="0" smtClean="0"/>
-              <a:t>   ‘DIRS’: [</a:t>
-            </a:r>
-            <a:r>
-              <a:rPr lang="en-US" altLang="ko-KR" sz="1600" b="1" dirty="0" smtClean="0">
-                <a:solidFill>
-                  <a:srgbClr val="C00000"/>
-                </a:solidFill>
-              </a:rPr>
-              <a:t>BASE_DIR / ‘templates’</a:t>
-            </a:r>
-            <a:r>
-              <a:rPr lang="en-US" altLang="ko-KR" sz="1600" dirty="0" smtClean="0"/>
-              <a:t>],</a:t>
-            </a:r>
-            <a:endParaRPr lang="en-US" altLang="ko-KR" sz="1600" dirty="0"/>
-          </a:p>
-          <a:p>
-            <a:pPr>
-              <a:lnSpc>
-                <a:spcPct val="150000"/>
-              </a:lnSpc>
-            </a:pPr>
-            <a:r>
-              <a:rPr lang="en-US" altLang="ko-KR" sz="1600" dirty="0" smtClean="0"/>
-              <a:t>]</a:t>
-            </a:r>
-            <a:endParaRPr lang="en-US" altLang="ko-KR" sz="1600" dirty="0"/>
-          </a:p>
-        </p:txBody>
-      </p:sp>
-      <p:sp>
-        <p:nvSpPr>
-          <p:cNvPr id="28" name="TextBox 27"/>
-          <p:cNvSpPr txBox="1"/>
-          <p:nvPr/>
-        </p:nvSpPr>
-        <p:spPr>
-          <a:xfrm>
-            <a:off x="1496616" y="2345105"/>
-            <a:ext cx="5760640" cy="507831"/>
-          </a:xfrm>
-          <a:prstGeom prst="rect">
-            <a:avLst/>
-          </a:prstGeom>
-          <a:solidFill>
-            <a:schemeClr val="bg1">
-              <a:lumMod val="95000"/>
-            </a:schemeClr>
-          </a:solidFill>
-        </p:spPr>
-        <p:txBody>
-          <a:bodyPr wrap="square" rtlCol="0">
-            <a:spAutoFit/>
-          </a:bodyPr>
-          <a:lstStyle/>
-          <a:p>
-            <a:pPr>
-              <a:lnSpc>
-                <a:spcPct val="150000"/>
-              </a:lnSpc>
-            </a:pPr>
-            <a:r>
-              <a:rPr lang="en-US" altLang="ko-KR" dirty="0" smtClean="0">
-                <a:latin typeface="Ebrima" panose="02000000000000000000" pitchFamily="2" charset="0"/>
-                <a:ea typeface="Ebrima" panose="02000000000000000000" pitchFamily="2" charset="0"/>
-                <a:cs typeface="Ebrima" panose="02000000000000000000" pitchFamily="2" charset="0"/>
-              </a:rPr>
-              <a:t>(</a:t>
-            </a:r>
-            <a:r>
-              <a:rPr lang="en-US" altLang="ko-KR" dirty="0" err="1" smtClean="0">
-                <a:latin typeface="Ebrima" panose="02000000000000000000" pitchFamily="2" charset="0"/>
-                <a:ea typeface="Ebrima" panose="02000000000000000000" pitchFamily="2" charset="0"/>
-                <a:cs typeface="Ebrima" panose="02000000000000000000" pitchFamily="2" charset="0"/>
-              </a:rPr>
-              <a:t>myvenv</a:t>
-            </a:r>
-            <a:r>
-              <a:rPr lang="en-US" altLang="ko-KR" dirty="0" smtClean="0">
-                <a:latin typeface="Ebrima" panose="02000000000000000000" pitchFamily="2" charset="0"/>
-                <a:ea typeface="Ebrima" panose="02000000000000000000" pitchFamily="2" charset="0"/>
-                <a:cs typeface="Ebrima" panose="02000000000000000000" pitchFamily="2" charset="0"/>
-              </a:rPr>
-              <a:t>) </a:t>
-            </a:r>
-            <a:r>
-              <a:rPr lang="en-US" altLang="ko-KR" dirty="0" smtClean="0">
-                <a:latin typeface="Ebrima" panose="02000000000000000000" pitchFamily="2" charset="0"/>
-                <a:ea typeface="Ebrima" panose="02000000000000000000" pitchFamily="2" charset="0"/>
-                <a:cs typeface="Ebrima" panose="02000000000000000000" pitchFamily="2" charset="0"/>
-              </a:rPr>
-              <a:t>C</a:t>
-            </a:r>
-            <a:r>
-              <a:rPr lang="en-US" altLang="ko-KR" dirty="0" smtClean="0">
-                <a:latin typeface="Ebrima" panose="02000000000000000000" pitchFamily="2" charset="0"/>
-                <a:ea typeface="Ebrima" panose="02000000000000000000" pitchFamily="2" charset="0"/>
-                <a:cs typeface="Ebrima" panose="02000000000000000000" pitchFamily="2" charset="0"/>
-              </a:rPr>
-              <a:t>:\</a:t>
-            </a:r>
-            <a:r>
-              <a:rPr lang="en-US" altLang="ko-KR" dirty="0" smtClean="0">
-                <a:latin typeface="Ebrima" panose="02000000000000000000" pitchFamily="2" charset="0"/>
-                <a:ea typeface="Ebrima" panose="02000000000000000000" pitchFamily="2" charset="0"/>
-                <a:cs typeface="Ebrima" panose="02000000000000000000" pitchFamily="2" charset="0"/>
-              </a:rPr>
-              <a:t>mypyweb</a:t>
-            </a:r>
-            <a:r>
-              <a:rPr lang="en-US" altLang="ko-KR" dirty="0" smtClean="0">
-                <a:latin typeface="Ebrima" panose="02000000000000000000" pitchFamily="2" charset="0"/>
-                <a:ea typeface="Ebrima" panose="02000000000000000000" pitchFamily="2" charset="0"/>
-                <a:cs typeface="Ebrima" panose="02000000000000000000" pitchFamily="2" charset="0"/>
-              </a:rPr>
-              <a:t>\polls&gt;mkdir  </a:t>
-            </a:r>
-            <a:r>
-              <a:rPr lang="en-US" altLang="ko-KR" dirty="0" smtClean="0">
-                <a:latin typeface="Ebrima" panose="02000000000000000000" pitchFamily="2" charset="0"/>
-                <a:ea typeface="Ebrima" panose="02000000000000000000" pitchFamily="2" charset="0"/>
-                <a:cs typeface="Ebrima" panose="02000000000000000000" pitchFamily="2" charset="0"/>
-              </a:rPr>
-              <a:t>templates</a:t>
-            </a:r>
-          </a:p>
-        </p:txBody>
-      </p:sp>
-      <p:sp>
-        <p:nvSpPr>
-          <p:cNvPr id="8" name="TextBox 7"/>
-          <p:cNvSpPr txBox="1"/>
-          <p:nvPr/>
-        </p:nvSpPr>
-        <p:spPr>
-          <a:xfrm>
-            <a:off x="1523864" y="3480976"/>
-            <a:ext cx="5760640" cy="507831"/>
-          </a:xfrm>
-          <a:prstGeom prst="rect">
-            <a:avLst/>
-          </a:prstGeom>
-          <a:solidFill>
-            <a:schemeClr val="bg1">
-              <a:lumMod val="95000"/>
-            </a:schemeClr>
-          </a:solidFill>
-        </p:spPr>
-        <p:txBody>
-          <a:bodyPr wrap="square" rtlCol="0">
-            <a:spAutoFit/>
-          </a:bodyPr>
-          <a:lstStyle/>
-          <a:p>
-            <a:pPr>
-              <a:lnSpc>
-                <a:spcPct val="150000"/>
-              </a:lnSpc>
-            </a:pPr>
-            <a:r>
-              <a:rPr lang="en-US" altLang="ko-KR" dirty="0">
-                <a:latin typeface="Ebrima" panose="02000000000000000000" pitchFamily="2" charset="0"/>
-                <a:ea typeface="Ebrima" panose="02000000000000000000" pitchFamily="2" charset="0"/>
-                <a:cs typeface="Ebrima" panose="02000000000000000000" pitchFamily="2" charset="0"/>
-              </a:rPr>
-              <a:t>(</a:t>
-            </a:r>
-            <a:r>
-              <a:rPr lang="en-US" altLang="ko-KR" dirty="0" err="1">
-                <a:latin typeface="Ebrima" panose="02000000000000000000" pitchFamily="2" charset="0"/>
-                <a:ea typeface="Ebrima" panose="02000000000000000000" pitchFamily="2" charset="0"/>
-                <a:cs typeface="Ebrima" panose="02000000000000000000" pitchFamily="2" charset="0"/>
-              </a:rPr>
-              <a:t>myvenv</a:t>
-            </a:r>
-            <a:r>
-              <a:rPr lang="en-US" altLang="ko-KR" dirty="0">
-                <a:latin typeface="Ebrima" panose="02000000000000000000" pitchFamily="2" charset="0"/>
-                <a:ea typeface="Ebrima" panose="02000000000000000000" pitchFamily="2" charset="0"/>
-                <a:cs typeface="Ebrima" panose="02000000000000000000" pitchFamily="2" charset="0"/>
-              </a:rPr>
-              <a:t>) C:\mypyweb\polls\templates&gt;mkdir  </a:t>
-            </a:r>
-            <a:r>
-              <a:rPr lang="en-US" altLang="ko-KR" dirty="0" smtClean="0">
-                <a:latin typeface="Ebrima" panose="02000000000000000000" pitchFamily="2" charset="0"/>
-                <a:ea typeface="Ebrima" panose="02000000000000000000" pitchFamily="2" charset="0"/>
-                <a:cs typeface="Ebrima" panose="02000000000000000000" pitchFamily="2" charset="0"/>
-              </a:rPr>
-              <a:t>poll</a:t>
-            </a:r>
-          </a:p>
-        </p:txBody>
-      </p:sp>
-    </p:spTree>
-    <p:extLst>
-      <p:ext uri="{BB962C8B-B14F-4D97-AF65-F5344CB8AC3E}">
-        <p14:creationId xmlns:p14="http://schemas.microsoft.com/office/powerpoint/2010/main" val="2224140509"/>
-      </p:ext>
-    </p:extLst>
-  </p:cSld>
-  <p:clrMapOvr>
-    <a:masterClrMapping/>
-  </p:clrMapOvr>
-  <p:timing>
-    <p:tnLst>
-      <p:par>
-        <p:cTn id="1" dur="indefinite" restart="never" nodeType="tmRoot"/>
-      </p:par>
-    </p:tnLst>
-  </p:timing>
-</p:sld>
-</file>
-
-<file path=ppt/slides/slide20.xml><?xml version="1.0" encoding="utf-8"?>
-<p:sld xmlns:a="http://schemas.openxmlformats.org/drawingml/2006/main" xmlns:r="http://schemas.openxmlformats.org/officeDocument/2006/relationships" xmlns:p="http://schemas.openxmlformats.org/presentationml/2006/main">
-  <p:cSld>
-    <p:spTree>
-      <p:nvGrpSpPr>
-        <p:cNvPr id="1" name=""/>
-        <p:cNvGrpSpPr/>
-        <p:nvPr/>
-      </p:nvGrpSpPr>
-      <p:grpSpPr>
-        <a:xfrm>
-          <a:off x="0" y="0"/>
-          <a:ext cx="0" cy="0"/>
-          <a:chOff x="0" y="0"/>
-          <a:chExt cx="0" cy="0"/>
-        </a:xfrm>
-      </p:grpSpPr>
-      <p:sp>
-        <p:nvSpPr>
-          <p:cNvPr id="2" name="제목 1"/>
-          <p:cNvSpPr>
-            <a:spLocks noGrp="1"/>
-          </p:cNvSpPr>
-          <p:nvPr>
-            <p:ph type="title"/>
-          </p:nvPr>
-        </p:nvSpPr>
-        <p:spPr/>
-        <p:txBody>
-          <a:bodyPr>
             <a:normAutofit/>
           </a:bodyPr>
           <a:lstStyle/>
@@ -7278,7 +6436,7 @@
           <a:p>
             <a:fld id="{1BDE3FE7-3AEA-4B05-AC5A-802D1816ACF0}" type="slidenum">
               <a:rPr lang="ko-KR" altLang="en-US" smtClean="0"/>
-              <a:t>20</a:t>
+              <a:t>19</a:t>
             </a:fld>
             <a:endParaRPr lang="ko-KR" altLang="en-US"/>
           </a:p>
@@ -7400,7 +6558,7 @@
 </p:sld>
 </file>
 
-<file path=ppt/slides/slide21.xml><?xml version="1.0" encoding="utf-8"?>
+<file path=ppt/slides/slide2.xml><?xml version="1.0" encoding="utf-8"?>
 <p:sld xmlns:a="http://schemas.openxmlformats.org/drawingml/2006/main" xmlns:r="http://schemas.openxmlformats.org/officeDocument/2006/relationships" xmlns:p="http://schemas.openxmlformats.org/presentationml/2006/main">
   <p:cSld>
     <p:spTree>
@@ -7430,6 +6588,526 @@
         <p:spPr/>
         <p:txBody>
           <a:bodyPr>
+            <a:normAutofit fontScale="90000"/>
+          </a:bodyPr>
+          <a:lstStyle/>
+          <a:p>
+            <a:r>
+              <a:rPr lang="en-US" altLang="ko-KR" dirty="0" smtClean="0"/>
+              <a:t> </a:t>
+            </a:r>
+            <a:r>
+              <a:rPr lang="ko-KR" altLang="en-US" dirty="0" smtClean="0"/>
+              <a:t>템플릿으로 질문 목록 페이지 만들기</a:t>
+            </a:r>
+            <a:endParaRPr lang="ko-KR" altLang="en-US" dirty="0"/>
+          </a:p>
+        </p:txBody>
+      </p:sp>
+      <p:sp>
+        <p:nvSpPr>
+          <p:cNvPr id="4" name="슬라이드 번호 개체 틀 3"/>
+          <p:cNvSpPr>
+            <a:spLocks noGrp="1"/>
+          </p:cNvSpPr>
+          <p:nvPr>
+            <p:ph type="sldNum" sz="quarter" idx="12"/>
+          </p:nvPr>
+        </p:nvSpPr>
+        <p:spPr/>
+        <p:txBody>
+          <a:bodyPr/>
+          <a:lstStyle/>
+          <a:p>
+            <a:fld id="{1BDE3FE7-3AEA-4B05-AC5A-802D1816ACF0}" type="slidenum">
+              <a:rPr lang="ko-KR" altLang="en-US" smtClean="0"/>
+              <a:t>2</a:t>
+            </a:fld>
+            <a:endParaRPr lang="ko-KR" altLang="en-US"/>
+          </a:p>
+        </p:txBody>
+      </p:sp>
+      <p:sp>
+        <p:nvSpPr>
+          <p:cNvPr id="14" name="TextBox 13"/>
+          <p:cNvSpPr txBox="1"/>
+          <p:nvPr/>
+        </p:nvSpPr>
+        <p:spPr>
+          <a:xfrm>
+            <a:off x="848544" y="1235368"/>
+            <a:ext cx="8280920" cy="553998"/>
+          </a:xfrm>
+          <a:prstGeom prst="rect">
+            <a:avLst/>
+          </a:prstGeom>
+          <a:ln>
+            <a:noFill/>
+          </a:ln>
+        </p:spPr>
+        <p:style>
+          <a:lnRef idx="2">
+            <a:schemeClr val="dk1"/>
+          </a:lnRef>
+          <a:fillRef idx="1">
+            <a:schemeClr val="lt1"/>
+          </a:fillRef>
+          <a:effectRef idx="0">
+            <a:schemeClr val="dk1"/>
+          </a:effectRef>
+          <a:fontRef idx="minor">
+            <a:schemeClr val="dk1"/>
+          </a:fontRef>
+        </p:style>
+        <p:txBody>
+          <a:bodyPr wrap="square" rtlCol="0">
+            <a:spAutoFit/>
+          </a:bodyPr>
+          <a:lstStyle/>
+          <a:p>
+            <a:pPr marL="342900" indent="-342900">
+              <a:lnSpc>
+                <a:spcPct val="150000"/>
+              </a:lnSpc>
+              <a:buFont typeface="Wingdings" panose="05000000000000000000" pitchFamily="2" charset="2"/>
+              <a:buChar char="u"/>
+            </a:pPr>
+            <a:r>
+              <a:rPr lang="ko-KR" altLang="en-US" sz="2000" dirty="0" smtClean="0">
+                <a:latin typeface="휴먼엑스포" panose="02030504000101010101" pitchFamily="18" charset="-127"/>
+                <a:ea typeface="휴먼엑스포" panose="02030504000101010101" pitchFamily="18" charset="-127"/>
+              </a:rPr>
+              <a:t>템플릿</a:t>
+            </a:r>
+            <a:r>
+              <a:rPr lang="en-US" altLang="ko-KR" sz="2000" dirty="0" smtClean="0">
+                <a:latin typeface="휴먼엑스포" panose="02030504000101010101" pitchFamily="18" charset="-127"/>
+                <a:ea typeface="휴먼엑스포" panose="02030504000101010101" pitchFamily="18" charset="-127"/>
+              </a:rPr>
+              <a:t>(templates) </a:t>
+            </a:r>
+            <a:r>
+              <a:rPr lang="ko-KR" altLang="en-US" sz="2000" dirty="0" smtClean="0">
+                <a:latin typeface="휴먼엑스포" panose="02030504000101010101" pitchFamily="18" charset="-127"/>
+                <a:ea typeface="휴먼엑스포" panose="02030504000101010101" pitchFamily="18" charset="-127"/>
+              </a:rPr>
+              <a:t>환경 설정</a:t>
+            </a:r>
+            <a:endParaRPr lang="en-US" altLang="ko-KR" sz="2000" dirty="0" smtClean="0">
+              <a:latin typeface="휴먼엑스포" panose="02030504000101010101" pitchFamily="18" charset="-127"/>
+              <a:ea typeface="휴먼엑스포" panose="02030504000101010101" pitchFamily="18" charset="-127"/>
+            </a:endParaRPr>
+          </a:p>
+        </p:txBody>
+      </p:sp>
+      <p:sp>
+        <p:nvSpPr>
+          <p:cNvPr id="11" name="TextBox 10"/>
+          <p:cNvSpPr txBox="1"/>
+          <p:nvPr/>
+        </p:nvSpPr>
+        <p:spPr>
+          <a:xfrm>
+            <a:off x="1208584" y="1772816"/>
+            <a:ext cx="6768752" cy="3416320"/>
+          </a:xfrm>
+          <a:prstGeom prst="rect">
+            <a:avLst/>
+          </a:prstGeom>
+          <a:noFill/>
+        </p:spPr>
+        <p:txBody>
+          <a:bodyPr wrap="square" rtlCol="0">
+            <a:spAutoFit/>
+          </a:bodyPr>
+          <a:lstStyle/>
+          <a:p>
+            <a:pPr marL="342900" indent="-342900">
+              <a:lnSpc>
+                <a:spcPct val="150000"/>
+              </a:lnSpc>
+              <a:buAutoNum type="arabicPeriod"/>
+            </a:pPr>
+            <a:r>
+              <a:rPr lang="en-US" altLang="ko-KR" dirty="0"/>
+              <a:t>t</a:t>
+            </a:r>
+            <a:r>
+              <a:rPr lang="en-US" altLang="ko-KR" dirty="0" smtClean="0"/>
+              <a:t>emplates </a:t>
+            </a:r>
+            <a:r>
+              <a:rPr lang="ko-KR" altLang="en-US" dirty="0" smtClean="0"/>
+              <a:t>디렉터리를 루트 디렉터리 바로 밑에 만든다</a:t>
+            </a:r>
+            <a:r>
+              <a:rPr lang="en-US" altLang="ko-KR" dirty="0" smtClean="0"/>
+              <a:t>.</a:t>
+            </a:r>
+          </a:p>
+          <a:p>
+            <a:pPr marL="342900" indent="-342900">
+              <a:lnSpc>
+                <a:spcPct val="150000"/>
+              </a:lnSpc>
+              <a:buAutoNum type="arabicPeriod"/>
+            </a:pPr>
+            <a:endParaRPr lang="en-US" altLang="ko-KR" dirty="0" smtClean="0"/>
+          </a:p>
+          <a:p>
+            <a:pPr marL="342900" indent="-342900">
+              <a:lnSpc>
+                <a:spcPct val="150000"/>
+              </a:lnSpc>
+              <a:buAutoNum type="arabicPeriod"/>
+            </a:pPr>
+            <a:endParaRPr lang="en-US" altLang="ko-KR" dirty="0" smtClean="0"/>
+          </a:p>
+          <a:p>
+            <a:pPr marL="342900" indent="-342900">
+              <a:lnSpc>
+                <a:spcPct val="150000"/>
+              </a:lnSpc>
+              <a:buAutoNum type="arabicPeriod"/>
+            </a:pPr>
+            <a:r>
+              <a:rPr lang="en-US" altLang="ko-KR" dirty="0"/>
+              <a:t>t</a:t>
+            </a:r>
+            <a:r>
+              <a:rPr lang="en-US" altLang="ko-KR" dirty="0" smtClean="0"/>
+              <a:t>emplates </a:t>
+            </a:r>
+            <a:r>
+              <a:rPr lang="ko-KR" altLang="en-US" dirty="0" smtClean="0"/>
+              <a:t>폴더 아래 </a:t>
+            </a:r>
+            <a:r>
+              <a:rPr lang="en-US" altLang="ko-KR" dirty="0" smtClean="0"/>
+              <a:t>poll </a:t>
+            </a:r>
+            <a:r>
+              <a:rPr lang="ko-KR" altLang="en-US" dirty="0" smtClean="0"/>
+              <a:t>폴더 만들기</a:t>
+            </a:r>
+            <a:endParaRPr lang="en-US" altLang="ko-KR" dirty="0"/>
+          </a:p>
+          <a:p>
+            <a:pPr marL="342900" indent="-342900">
+              <a:lnSpc>
+                <a:spcPct val="150000"/>
+              </a:lnSpc>
+              <a:buAutoNum type="arabicPeriod"/>
+            </a:pPr>
+            <a:endParaRPr lang="en-US" altLang="ko-KR" dirty="0" smtClean="0"/>
+          </a:p>
+          <a:p>
+            <a:pPr marL="342900" indent="-342900">
+              <a:lnSpc>
+                <a:spcPct val="150000"/>
+              </a:lnSpc>
+              <a:buAutoNum type="arabicPeriod"/>
+            </a:pPr>
+            <a:endParaRPr lang="en-US" altLang="ko-KR" dirty="0" smtClean="0"/>
+          </a:p>
+          <a:p>
+            <a:pPr marL="342900" indent="-342900">
+              <a:lnSpc>
+                <a:spcPct val="150000"/>
+              </a:lnSpc>
+              <a:buFontTx/>
+              <a:buAutoNum type="arabicPeriod"/>
+            </a:pPr>
+            <a:r>
+              <a:rPr lang="ko-KR" altLang="en-US" dirty="0" smtClean="0"/>
+              <a:t>템플릿 디렉터리 위치를 </a:t>
+            </a:r>
+            <a:r>
+              <a:rPr lang="en-US" altLang="ko-KR" dirty="0" smtClean="0"/>
+              <a:t>config/settings.py</a:t>
+            </a:r>
+            <a:r>
+              <a:rPr lang="ko-KR" altLang="en-US" dirty="0" smtClean="0"/>
+              <a:t>에 등록하기</a:t>
+            </a:r>
+            <a:endParaRPr lang="en-US" altLang="ko-KR" dirty="0" smtClean="0"/>
+          </a:p>
+          <a:p>
+            <a:pPr>
+              <a:lnSpc>
+                <a:spcPct val="150000"/>
+              </a:lnSpc>
+            </a:pPr>
+            <a:endParaRPr lang="en-US" altLang="ko-KR" dirty="0" smtClean="0"/>
+          </a:p>
+        </p:txBody>
+      </p:sp>
+      <p:sp>
+        <p:nvSpPr>
+          <p:cNvPr id="9" name="TextBox 8"/>
+          <p:cNvSpPr txBox="1"/>
+          <p:nvPr/>
+        </p:nvSpPr>
+        <p:spPr>
+          <a:xfrm>
+            <a:off x="1496616" y="4811668"/>
+            <a:ext cx="5760640" cy="1569660"/>
+          </a:xfrm>
+          <a:prstGeom prst="rect">
+            <a:avLst/>
+          </a:prstGeom>
+          <a:noFill/>
+          <a:ln>
+            <a:solidFill>
+              <a:schemeClr val="bg1">
+                <a:lumMod val="85000"/>
+              </a:schemeClr>
+            </a:solidFill>
+          </a:ln>
+        </p:spPr>
+        <p:txBody>
+          <a:bodyPr wrap="square" rtlCol="0">
+            <a:spAutoFit/>
+          </a:bodyPr>
+          <a:lstStyle/>
+          <a:p>
+            <a:pPr>
+              <a:lnSpc>
+                <a:spcPct val="150000"/>
+              </a:lnSpc>
+            </a:pPr>
+            <a:r>
+              <a:rPr lang="en-US" altLang="ko-KR" sz="1600" dirty="0" smtClean="0"/>
+              <a:t>TEMPLATES = [</a:t>
+            </a:r>
+          </a:p>
+          <a:p>
+            <a:pPr>
+              <a:lnSpc>
+                <a:spcPct val="150000"/>
+              </a:lnSpc>
+            </a:pPr>
+            <a:r>
+              <a:rPr lang="en-US" altLang="ko-KR" sz="1600" dirty="0" smtClean="0"/>
+              <a:t>    …...</a:t>
+            </a:r>
+          </a:p>
+          <a:p>
+            <a:pPr>
+              <a:lnSpc>
+                <a:spcPct val="150000"/>
+              </a:lnSpc>
+            </a:pPr>
+            <a:r>
+              <a:rPr lang="en-US" altLang="ko-KR" sz="1600" dirty="0"/>
+              <a:t> </a:t>
+            </a:r>
+            <a:r>
+              <a:rPr lang="en-US" altLang="ko-KR" sz="1600" dirty="0" smtClean="0"/>
+              <a:t>   ‘DIRS’: [</a:t>
+            </a:r>
+            <a:r>
+              <a:rPr lang="en-US" altLang="ko-KR" sz="1600" b="1" dirty="0" smtClean="0">
+                <a:solidFill>
+                  <a:srgbClr val="C00000"/>
+                </a:solidFill>
+              </a:rPr>
+              <a:t>BASE_DIR / ‘templates’</a:t>
+            </a:r>
+            <a:r>
+              <a:rPr lang="en-US" altLang="ko-KR" sz="1600" dirty="0" smtClean="0"/>
+              <a:t>],</a:t>
+            </a:r>
+            <a:endParaRPr lang="en-US" altLang="ko-KR" sz="1600" dirty="0"/>
+          </a:p>
+          <a:p>
+            <a:pPr>
+              <a:lnSpc>
+                <a:spcPct val="150000"/>
+              </a:lnSpc>
+            </a:pPr>
+            <a:r>
+              <a:rPr lang="en-US" altLang="ko-KR" sz="1600" dirty="0" smtClean="0"/>
+              <a:t>]</a:t>
+            </a:r>
+            <a:endParaRPr lang="en-US" altLang="ko-KR" sz="1600" dirty="0"/>
+          </a:p>
+        </p:txBody>
+      </p:sp>
+      <p:sp>
+        <p:nvSpPr>
+          <p:cNvPr id="28" name="TextBox 27"/>
+          <p:cNvSpPr txBox="1"/>
+          <p:nvPr/>
+        </p:nvSpPr>
+        <p:spPr>
+          <a:xfrm>
+            <a:off x="1496616" y="2345105"/>
+            <a:ext cx="5760640" cy="507831"/>
+          </a:xfrm>
+          <a:prstGeom prst="rect">
+            <a:avLst/>
+          </a:prstGeom>
+          <a:solidFill>
+            <a:schemeClr val="bg1">
+              <a:lumMod val="95000"/>
+            </a:schemeClr>
+          </a:solidFill>
+        </p:spPr>
+        <p:txBody>
+          <a:bodyPr wrap="square" rtlCol="0">
+            <a:spAutoFit/>
+          </a:bodyPr>
+          <a:lstStyle/>
+          <a:p>
+            <a:pPr>
+              <a:lnSpc>
+                <a:spcPct val="150000"/>
+              </a:lnSpc>
+            </a:pPr>
+            <a:r>
+              <a:rPr lang="en-US" altLang="ko-KR" dirty="0" smtClean="0">
+                <a:latin typeface="Ebrima" panose="02000000000000000000" pitchFamily="2" charset="0"/>
+                <a:ea typeface="Ebrima" panose="02000000000000000000" pitchFamily="2" charset="0"/>
+                <a:cs typeface="Ebrima" panose="02000000000000000000" pitchFamily="2" charset="0"/>
+              </a:rPr>
+              <a:t>(</a:t>
+            </a:r>
+            <a:r>
+              <a:rPr lang="en-US" altLang="ko-KR" dirty="0" err="1" smtClean="0">
+                <a:latin typeface="Ebrima" panose="02000000000000000000" pitchFamily="2" charset="0"/>
+                <a:ea typeface="Ebrima" panose="02000000000000000000" pitchFamily="2" charset="0"/>
+                <a:cs typeface="Ebrima" panose="02000000000000000000" pitchFamily="2" charset="0"/>
+              </a:rPr>
+              <a:t>myvenv</a:t>
+            </a:r>
+            <a:r>
+              <a:rPr lang="en-US" altLang="ko-KR" dirty="0" smtClean="0">
+                <a:latin typeface="Ebrima" panose="02000000000000000000" pitchFamily="2" charset="0"/>
+                <a:ea typeface="Ebrima" panose="02000000000000000000" pitchFamily="2" charset="0"/>
+                <a:cs typeface="Ebrima" panose="02000000000000000000" pitchFamily="2" charset="0"/>
+              </a:rPr>
+              <a:t>) C:\mypyweb\polls&gt;mkdir  templates</a:t>
+            </a:r>
+          </a:p>
+        </p:txBody>
+      </p:sp>
+      <p:sp>
+        <p:nvSpPr>
+          <p:cNvPr id="8" name="TextBox 7"/>
+          <p:cNvSpPr txBox="1"/>
+          <p:nvPr/>
+        </p:nvSpPr>
+        <p:spPr>
+          <a:xfrm>
+            <a:off x="1523864" y="3480976"/>
+            <a:ext cx="5760640" cy="507831"/>
+          </a:xfrm>
+          <a:prstGeom prst="rect">
+            <a:avLst/>
+          </a:prstGeom>
+          <a:solidFill>
+            <a:schemeClr val="bg1">
+              <a:lumMod val="95000"/>
+            </a:schemeClr>
+          </a:solidFill>
+        </p:spPr>
+        <p:txBody>
+          <a:bodyPr wrap="square" rtlCol="0">
+            <a:spAutoFit/>
+          </a:bodyPr>
+          <a:lstStyle/>
+          <a:p>
+            <a:pPr>
+              <a:lnSpc>
+                <a:spcPct val="150000"/>
+              </a:lnSpc>
+            </a:pPr>
+            <a:r>
+              <a:rPr lang="en-US" altLang="ko-KR" dirty="0">
+                <a:latin typeface="Ebrima" panose="02000000000000000000" pitchFamily="2" charset="0"/>
+                <a:ea typeface="Ebrima" panose="02000000000000000000" pitchFamily="2" charset="0"/>
+                <a:cs typeface="Ebrima" panose="02000000000000000000" pitchFamily="2" charset="0"/>
+              </a:rPr>
+              <a:t>(</a:t>
+            </a:r>
+            <a:r>
+              <a:rPr lang="en-US" altLang="ko-KR" dirty="0" err="1">
+                <a:latin typeface="Ebrima" panose="02000000000000000000" pitchFamily="2" charset="0"/>
+                <a:ea typeface="Ebrima" panose="02000000000000000000" pitchFamily="2" charset="0"/>
+                <a:cs typeface="Ebrima" panose="02000000000000000000" pitchFamily="2" charset="0"/>
+              </a:rPr>
+              <a:t>myvenv</a:t>
+            </a:r>
+            <a:r>
+              <a:rPr lang="en-US" altLang="ko-KR" dirty="0">
+                <a:latin typeface="Ebrima" panose="02000000000000000000" pitchFamily="2" charset="0"/>
+                <a:ea typeface="Ebrima" panose="02000000000000000000" pitchFamily="2" charset="0"/>
+                <a:cs typeface="Ebrima" panose="02000000000000000000" pitchFamily="2" charset="0"/>
+              </a:rPr>
+              <a:t>) C:\mypyweb\polls\templates&gt;mkdir  </a:t>
+            </a:r>
+            <a:r>
+              <a:rPr lang="en-US" altLang="ko-KR" dirty="0" smtClean="0">
+                <a:latin typeface="Ebrima" panose="02000000000000000000" pitchFamily="2" charset="0"/>
+                <a:ea typeface="Ebrima" panose="02000000000000000000" pitchFamily="2" charset="0"/>
+                <a:cs typeface="Ebrima" panose="02000000000000000000" pitchFamily="2" charset="0"/>
+              </a:rPr>
+              <a:t>poll</a:t>
+            </a:r>
+          </a:p>
+        </p:txBody>
+      </p:sp>
+    </p:spTree>
+    <p:extLst>
+      <p:ext uri="{BB962C8B-B14F-4D97-AF65-F5344CB8AC3E}">
+        <p14:creationId xmlns:p14="http://schemas.microsoft.com/office/powerpoint/2010/main" val="2224140509"/>
+      </p:ext>
+    </p:extLst>
+  </p:cSld>
+  <p:clrMapOvr>
+    <a:masterClrMapping/>
+  </p:clrMapOvr>
+  <p:timing>
+    <p:tnLst>
+      <p:par>
+        <p:cTn id="1" dur="indefinite" restart="never" nodeType="tmRoot"/>
+      </p:par>
+    </p:tnLst>
+  </p:timing>
+</p:sld>
+</file>
+
+<file path=ppt/slides/slide20.xml><?xml version="1.0" encoding="utf-8"?>
+<p:sld xmlns:a="http://schemas.openxmlformats.org/drawingml/2006/main" xmlns:r="http://schemas.openxmlformats.org/officeDocument/2006/relationships" xmlns:p="http://schemas.openxmlformats.org/presentationml/2006/main">
+  <p:cSld>
+    <p:spTree>
+      <p:nvGrpSpPr>
+        <p:cNvPr id="1" name=""/>
+        <p:cNvGrpSpPr/>
+        <p:nvPr/>
+      </p:nvGrpSpPr>
+      <p:grpSpPr>
+        <a:xfrm>
+          <a:off x="0" y="0"/>
+          <a:ext cx="0" cy="0"/>
+          <a:chOff x="0" y="0"/>
+          <a:chExt cx="0" cy="0"/>
+        </a:xfrm>
+      </p:grpSpPr>
+      <p:sp>
+        <p:nvSpPr>
+          <p:cNvPr id="2" name="제목 1"/>
+          <p:cNvSpPr>
+            <a:spLocks noGrp="1"/>
+          </p:cNvSpPr>
+          <p:nvPr>
+            <p:ph type="title"/>
+          </p:nvPr>
+        </p:nvSpPr>
+        <p:spPr/>
+        <p:txBody>
+          <a:bodyPr>
             <a:normAutofit/>
           </a:bodyPr>
           <a:lstStyle/>
@@ -7463,7 +7141,7 @@
           <a:p>
             <a:fld id="{1BDE3FE7-3AEA-4B05-AC5A-802D1816ACF0}" type="slidenum">
               <a:rPr lang="ko-KR" altLang="en-US" smtClean="0"/>
-              <a:t>21</a:t>
+              <a:t>20</a:t>
             </a:fld>
             <a:endParaRPr lang="ko-KR" altLang="en-US"/>
           </a:p>
@@ -7646,6 +7324,599 @@
     <p:extLst>
       <p:ext uri="{BB962C8B-B14F-4D97-AF65-F5344CB8AC3E}">
         <p14:creationId xmlns:p14="http://schemas.microsoft.com/office/powerpoint/2010/main" val="1562112239"/>
+      </p:ext>
+    </p:extLst>
+  </p:cSld>
+  <p:clrMapOvr>
+    <a:masterClrMapping/>
+  </p:clrMapOvr>
+  <p:timing>
+    <p:tnLst>
+      <p:par>
+        <p:cTn id="1" dur="indefinite" restart="never" nodeType="tmRoot"/>
+      </p:par>
+    </p:tnLst>
+  </p:timing>
+</p:sld>
+</file>
+
+<file path=ppt/slides/slide21.xml><?xml version="1.0" encoding="utf-8"?>
+<p:sld xmlns:a="http://schemas.openxmlformats.org/drawingml/2006/main" xmlns:r="http://schemas.openxmlformats.org/officeDocument/2006/relationships" xmlns:p="http://schemas.openxmlformats.org/presentationml/2006/main">
+  <p:cSld>
+    <p:spTree>
+      <p:nvGrpSpPr>
+        <p:cNvPr id="1" name=""/>
+        <p:cNvGrpSpPr/>
+        <p:nvPr/>
+      </p:nvGrpSpPr>
+      <p:grpSpPr>
+        <a:xfrm>
+          <a:off x="0" y="0"/>
+          <a:ext cx="0" cy="0"/>
+          <a:chOff x="0" y="0"/>
+          <a:chExt cx="0" cy="0"/>
+        </a:xfrm>
+      </p:grpSpPr>
+      <p:sp>
+        <p:nvSpPr>
+          <p:cNvPr id="2" name="제목 1"/>
+          <p:cNvSpPr>
+            <a:spLocks noGrp="1"/>
+          </p:cNvSpPr>
+          <p:nvPr>
+            <p:ph type="title"/>
+          </p:nvPr>
+        </p:nvSpPr>
+        <p:spPr/>
+        <p:txBody>
+          <a:bodyPr>
+            <a:normAutofit/>
+          </a:bodyPr>
+          <a:lstStyle/>
+          <a:p>
+            <a:r>
+              <a:rPr lang="en-US" altLang="ko-KR" dirty="0" smtClean="0"/>
+              <a:t> </a:t>
+            </a:r>
+            <a:r>
+              <a:rPr lang="ko-KR" altLang="en-US" dirty="0" smtClean="0"/>
+              <a:t>데이터 </a:t>
+            </a:r>
+            <a:r>
+              <a:rPr lang="ko-KR" altLang="en-US" dirty="0" smtClean="0"/>
+              <a:t>처리 실습</a:t>
+            </a:r>
+            <a:endParaRPr lang="ko-KR" altLang="en-US" dirty="0"/>
+          </a:p>
+        </p:txBody>
+      </p:sp>
+      <p:sp>
+        <p:nvSpPr>
+          <p:cNvPr id="4" name="슬라이드 번호 개체 틀 3"/>
+          <p:cNvSpPr>
+            <a:spLocks noGrp="1"/>
+          </p:cNvSpPr>
+          <p:nvPr>
+            <p:ph type="sldNum" sz="quarter" idx="12"/>
+          </p:nvPr>
+        </p:nvSpPr>
+        <p:spPr/>
+        <p:txBody>
+          <a:bodyPr/>
+          <a:lstStyle/>
+          <a:p>
+            <a:fld id="{1BDE3FE7-3AEA-4B05-AC5A-802D1816ACF0}" type="slidenum">
+              <a:rPr lang="ko-KR" altLang="en-US" smtClean="0"/>
+              <a:t>21</a:t>
+            </a:fld>
+            <a:endParaRPr lang="ko-KR" altLang="en-US"/>
+          </a:p>
+        </p:txBody>
+      </p:sp>
+      <p:sp>
+        <p:nvSpPr>
+          <p:cNvPr id="9" name="TextBox 8"/>
+          <p:cNvSpPr txBox="1"/>
+          <p:nvPr/>
+        </p:nvSpPr>
+        <p:spPr>
+          <a:xfrm>
+            <a:off x="1208584" y="1268760"/>
+            <a:ext cx="5976664" cy="464614"/>
+          </a:xfrm>
+          <a:prstGeom prst="rect">
+            <a:avLst/>
+          </a:prstGeom>
+          <a:ln>
+            <a:noFill/>
+          </a:ln>
+        </p:spPr>
+        <p:style>
+          <a:lnRef idx="2">
+            <a:schemeClr val="dk1"/>
+          </a:lnRef>
+          <a:fillRef idx="1">
+            <a:schemeClr val="lt1"/>
+          </a:fillRef>
+          <a:effectRef idx="0">
+            <a:schemeClr val="dk1"/>
+          </a:effectRef>
+          <a:fontRef idx="minor">
+            <a:schemeClr val="dk1"/>
+          </a:fontRef>
+        </p:style>
+        <p:txBody>
+          <a:bodyPr wrap="square" rtlCol="0">
+            <a:spAutoFit/>
+          </a:bodyPr>
+          <a:lstStyle/>
+          <a:p>
+            <a:pPr>
+              <a:lnSpc>
+                <a:spcPct val="150000"/>
+              </a:lnSpc>
+            </a:pPr>
+            <a:r>
+              <a:rPr lang="en-US" altLang="ko-KR" dirty="0">
+                <a:latin typeface="휴먼엑스포" panose="02030504000101010101" pitchFamily="18" charset="-127"/>
+                <a:ea typeface="휴먼엑스포" panose="02030504000101010101" pitchFamily="18" charset="-127"/>
+              </a:rPr>
+              <a:t>1</a:t>
+            </a:r>
+            <a:r>
+              <a:rPr lang="en-US" altLang="ko-KR" dirty="0" smtClean="0">
+                <a:latin typeface="휴먼엑스포" panose="02030504000101010101" pitchFamily="18" charset="-127"/>
+                <a:ea typeface="휴먼엑스포" panose="02030504000101010101" pitchFamily="18" charset="-127"/>
+              </a:rPr>
+              <a:t>. cart </a:t>
+            </a:r>
+            <a:r>
+              <a:rPr lang="en-US" altLang="ko-KR" dirty="0" err="1" smtClean="0">
+                <a:latin typeface="휴먼엑스포" panose="02030504000101010101" pitchFamily="18" charset="-127"/>
+                <a:ea typeface="휴먼엑스포" panose="02030504000101010101" pitchFamily="18" charset="-127"/>
+              </a:rPr>
+              <a:t>url</a:t>
+            </a:r>
+            <a:r>
+              <a:rPr lang="en-US" altLang="ko-KR" dirty="0" smtClean="0">
+                <a:latin typeface="휴먼엑스포" panose="02030504000101010101" pitchFamily="18" charset="-127"/>
+                <a:ea typeface="휴먼엑스포" panose="02030504000101010101" pitchFamily="18" charset="-127"/>
+              </a:rPr>
+              <a:t> </a:t>
+            </a:r>
+            <a:r>
+              <a:rPr lang="ko-KR" altLang="en-US" dirty="0" smtClean="0">
+                <a:latin typeface="휴먼엑스포" panose="02030504000101010101" pitchFamily="18" charset="-127"/>
+                <a:ea typeface="휴먼엑스포" panose="02030504000101010101" pitchFamily="18" charset="-127"/>
+              </a:rPr>
+              <a:t>경로 생</a:t>
+            </a:r>
+            <a:r>
+              <a:rPr lang="ko-KR" altLang="en-US" dirty="0">
+                <a:latin typeface="휴먼엑스포" panose="02030504000101010101" pitchFamily="18" charset="-127"/>
+                <a:ea typeface="휴먼엑스포" panose="02030504000101010101" pitchFamily="18" charset="-127"/>
+              </a:rPr>
+              <a:t>성</a:t>
+            </a:r>
+            <a:r>
+              <a:rPr lang="ko-KR" altLang="en-US" dirty="0" smtClean="0">
+                <a:latin typeface="휴먼엑스포" panose="02030504000101010101" pitchFamily="18" charset="-127"/>
+                <a:ea typeface="휴먼엑스포" panose="02030504000101010101" pitchFamily="18" charset="-127"/>
+              </a:rPr>
+              <a:t> </a:t>
+            </a:r>
+            <a:r>
+              <a:rPr lang="en-US" altLang="ko-KR" dirty="0" smtClean="0">
+                <a:latin typeface="휴먼엑스포" panose="02030504000101010101" pitchFamily="18" charset="-127"/>
+                <a:ea typeface="휴먼엑스포" panose="02030504000101010101" pitchFamily="18" charset="-127"/>
+              </a:rPr>
+              <a:t>- </a:t>
+            </a:r>
+            <a:r>
+              <a:rPr lang="en-US" altLang="ko-KR" dirty="0" smtClean="0">
+                <a:latin typeface="+mn-ea"/>
+              </a:rPr>
+              <a:t>poll/urls.py</a:t>
+            </a:r>
+            <a:endParaRPr lang="en-US" altLang="ko-KR" dirty="0">
+              <a:latin typeface="+mn-ea"/>
+            </a:endParaRPr>
+          </a:p>
+        </p:txBody>
+      </p:sp>
+      <p:pic>
+        <p:nvPicPr>
+          <p:cNvPr id="3" name="그림 2"/>
+          <p:cNvPicPr>
+            <a:picLocks noChangeAspect="1"/>
+          </p:cNvPicPr>
+          <p:nvPr/>
+        </p:nvPicPr>
+        <p:blipFill>
+          <a:blip r:embed="rId2">
+            <a:extLst>
+              <a:ext uri="{28A0092B-C50C-407E-A947-70E740481C1C}">
+                <a14:useLocalDpi xmlns:a14="http://schemas.microsoft.com/office/drawing/2010/main" val="0"/>
+              </a:ext>
+            </a:extLst>
+          </a:blip>
+          <a:stretch>
+            <a:fillRect/>
+          </a:stretch>
+        </p:blipFill>
+        <p:spPr>
+          <a:xfrm>
+            <a:off x="1612775" y="1844824"/>
+            <a:ext cx="3916289" cy="1361819"/>
+          </a:xfrm>
+          <a:prstGeom prst="rect">
+            <a:avLst/>
+          </a:prstGeom>
+          <a:ln>
+            <a:solidFill>
+              <a:schemeClr val="bg1">
+                <a:lumMod val="85000"/>
+              </a:schemeClr>
+            </a:solidFill>
+          </a:ln>
+        </p:spPr>
+      </p:pic>
+      <p:sp>
+        <p:nvSpPr>
+          <p:cNvPr id="10" name="TextBox 9"/>
+          <p:cNvSpPr txBox="1"/>
+          <p:nvPr/>
+        </p:nvSpPr>
+        <p:spPr>
+          <a:xfrm>
+            <a:off x="1208584" y="3356992"/>
+            <a:ext cx="5976664" cy="507831"/>
+          </a:xfrm>
+          <a:prstGeom prst="rect">
+            <a:avLst/>
+          </a:prstGeom>
+          <a:ln>
+            <a:noFill/>
+          </a:ln>
+        </p:spPr>
+        <p:style>
+          <a:lnRef idx="2">
+            <a:schemeClr val="dk1"/>
+          </a:lnRef>
+          <a:fillRef idx="1">
+            <a:schemeClr val="lt1"/>
+          </a:fillRef>
+          <a:effectRef idx="0">
+            <a:schemeClr val="dk1"/>
+          </a:effectRef>
+          <a:fontRef idx="minor">
+            <a:schemeClr val="dk1"/>
+          </a:fontRef>
+        </p:style>
+        <p:txBody>
+          <a:bodyPr wrap="square" rtlCol="0">
+            <a:spAutoFit/>
+          </a:bodyPr>
+          <a:lstStyle/>
+          <a:p>
+            <a:pPr>
+              <a:lnSpc>
+                <a:spcPct val="150000"/>
+              </a:lnSpc>
+            </a:pPr>
+            <a:r>
+              <a:rPr lang="en-US" altLang="ko-KR" dirty="0" smtClean="0">
+                <a:latin typeface="휴먼엑스포" panose="02030504000101010101" pitchFamily="18" charset="-127"/>
+                <a:ea typeface="휴먼엑스포" panose="02030504000101010101" pitchFamily="18" charset="-127"/>
+              </a:rPr>
+              <a:t>2. cart </a:t>
+            </a:r>
+            <a:r>
+              <a:rPr lang="ko-KR" altLang="en-US" dirty="0" smtClean="0">
+                <a:latin typeface="휴먼엑스포" panose="02030504000101010101" pitchFamily="18" charset="-127"/>
+                <a:ea typeface="휴먼엑스포" panose="02030504000101010101" pitchFamily="18" charset="-127"/>
+              </a:rPr>
+              <a:t>함수 생성 </a:t>
+            </a:r>
+            <a:r>
+              <a:rPr lang="en-US" altLang="ko-KR" dirty="0" smtClean="0">
+                <a:latin typeface="휴먼엑스포" panose="02030504000101010101" pitchFamily="18" charset="-127"/>
+                <a:ea typeface="휴먼엑스포" panose="02030504000101010101" pitchFamily="18" charset="-127"/>
+              </a:rPr>
+              <a:t>- </a:t>
+            </a:r>
+            <a:r>
+              <a:rPr lang="en-US" altLang="ko-KR" dirty="0" smtClean="0">
+                <a:latin typeface="+mn-ea"/>
+              </a:rPr>
+              <a:t>poll/views.py</a:t>
+            </a:r>
+            <a:endParaRPr lang="en-US" altLang="ko-KR" dirty="0">
+              <a:latin typeface="+mn-ea"/>
+            </a:endParaRPr>
+          </a:p>
+        </p:txBody>
+      </p:sp>
+      <p:pic>
+        <p:nvPicPr>
+          <p:cNvPr id="5" name="그림 4"/>
+          <p:cNvPicPr>
+            <a:picLocks noChangeAspect="1"/>
+          </p:cNvPicPr>
+          <p:nvPr/>
+        </p:nvPicPr>
+        <p:blipFill>
+          <a:blip r:embed="rId3">
+            <a:extLst>
+              <a:ext uri="{28A0092B-C50C-407E-A947-70E740481C1C}">
+                <a14:useLocalDpi xmlns:a14="http://schemas.microsoft.com/office/drawing/2010/main" val="0"/>
+              </a:ext>
+            </a:extLst>
+          </a:blip>
+          <a:stretch>
+            <a:fillRect/>
+          </a:stretch>
+        </p:blipFill>
+        <p:spPr>
+          <a:xfrm>
+            <a:off x="1612775" y="3919855"/>
+            <a:ext cx="5113463" cy="2461473"/>
+          </a:xfrm>
+          <a:prstGeom prst="rect">
+            <a:avLst/>
+          </a:prstGeom>
+          <a:ln>
+            <a:solidFill>
+              <a:schemeClr val="bg1">
+                <a:lumMod val="85000"/>
+              </a:schemeClr>
+            </a:solidFill>
+          </a:ln>
+        </p:spPr>
+      </p:pic>
+    </p:spTree>
+    <p:extLst>
+      <p:ext uri="{BB962C8B-B14F-4D97-AF65-F5344CB8AC3E}">
+        <p14:creationId xmlns:p14="http://schemas.microsoft.com/office/powerpoint/2010/main" val="189788690"/>
+      </p:ext>
+    </p:extLst>
+  </p:cSld>
+  <p:clrMapOvr>
+    <a:masterClrMapping/>
+  </p:clrMapOvr>
+  <p:timing>
+    <p:tnLst>
+      <p:par>
+        <p:cTn id="1" dur="indefinite" restart="never" nodeType="tmRoot"/>
+      </p:par>
+    </p:tnLst>
+  </p:timing>
+</p:sld>
+</file>
+
+<file path=ppt/slides/slide22.xml><?xml version="1.0" encoding="utf-8"?>
+<p:sld xmlns:a="http://schemas.openxmlformats.org/drawingml/2006/main" xmlns:r="http://schemas.openxmlformats.org/officeDocument/2006/relationships" xmlns:p="http://schemas.openxmlformats.org/presentationml/2006/main">
+  <p:cSld>
+    <p:spTree>
+      <p:nvGrpSpPr>
+        <p:cNvPr id="1" name=""/>
+        <p:cNvGrpSpPr/>
+        <p:nvPr/>
+      </p:nvGrpSpPr>
+      <p:grpSpPr>
+        <a:xfrm>
+          <a:off x="0" y="0"/>
+          <a:ext cx="0" cy="0"/>
+          <a:chOff x="0" y="0"/>
+          <a:chExt cx="0" cy="0"/>
+        </a:xfrm>
+      </p:grpSpPr>
+      <p:sp>
+        <p:nvSpPr>
+          <p:cNvPr id="2" name="제목 1"/>
+          <p:cNvSpPr>
+            <a:spLocks noGrp="1"/>
+          </p:cNvSpPr>
+          <p:nvPr>
+            <p:ph type="title"/>
+          </p:nvPr>
+        </p:nvSpPr>
+        <p:spPr/>
+        <p:txBody>
+          <a:bodyPr>
+            <a:normAutofit/>
+          </a:bodyPr>
+          <a:lstStyle/>
+          <a:p>
+            <a:r>
+              <a:rPr lang="en-US" altLang="ko-KR" dirty="0" smtClean="0"/>
+              <a:t> </a:t>
+            </a:r>
+            <a:r>
+              <a:rPr lang="ko-KR" altLang="en-US" dirty="0" smtClean="0"/>
+              <a:t>데이터 처리하기</a:t>
+            </a:r>
+            <a:endParaRPr lang="ko-KR" altLang="en-US" dirty="0"/>
+          </a:p>
+        </p:txBody>
+      </p:sp>
+      <p:sp>
+        <p:nvSpPr>
+          <p:cNvPr id="4" name="슬라이드 번호 개체 틀 3"/>
+          <p:cNvSpPr>
+            <a:spLocks noGrp="1"/>
+          </p:cNvSpPr>
+          <p:nvPr>
+            <p:ph type="sldNum" sz="quarter" idx="12"/>
+          </p:nvPr>
+        </p:nvSpPr>
+        <p:spPr/>
+        <p:txBody>
+          <a:bodyPr/>
+          <a:lstStyle/>
+          <a:p>
+            <a:fld id="{1BDE3FE7-3AEA-4B05-AC5A-802D1816ACF0}" type="slidenum">
+              <a:rPr lang="ko-KR" altLang="en-US" smtClean="0"/>
+              <a:t>22</a:t>
+            </a:fld>
+            <a:endParaRPr lang="ko-KR" altLang="en-US"/>
+          </a:p>
+        </p:txBody>
+      </p:sp>
+      <p:sp>
+        <p:nvSpPr>
+          <p:cNvPr id="9" name="TextBox 8"/>
+          <p:cNvSpPr txBox="1"/>
+          <p:nvPr/>
+        </p:nvSpPr>
+        <p:spPr>
+          <a:xfrm>
+            <a:off x="1208584" y="1268760"/>
+            <a:ext cx="5976664" cy="507831"/>
+          </a:xfrm>
+          <a:prstGeom prst="rect">
+            <a:avLst/>
+          </a:prstGeom>
+          <a:ln>
+            <a:noFill/>
+          </a:ln>
+        </p:spPr>
+        <p:style>
+          <a:lnRef idx="2">
+            <a:schemeClr val="dk1"/>
+          </a:lnRef>
+          <a:fillRef idx="1">
+            <a:schemeClr val="lt1"/>
+          </a:fillRef>
+          <a:effectRef idx="0">
+            <a:schemeClr val="dk1"/>
+          </a:effectRef>
+          <a:fontRef idx="minor">
+            <a:schemeClr val="dk1"/>
+          </a:fontRef>
+        </p:style>
+        <p:txBody>
+          <a:bodyPr wrap="square" rtlCol="0">
+            <a:spAutoFit/>
+          </a:bodyPr>
+          <a:lstStyle/>
+          <a:p>
+            <a:pPr>
+              <a:lnSpc>
+                <a:spcPct val="150000"/>
+              </a:lnSpc>
+            </a:pPr>
+            <a:r>
+              <a:rPr lang="en-US" altLang="ko-KR" dirty="0" smtClean="0">
+                <a:latin typeface="휴먼엑스포" panose="02030504000101010101" pitchFamily="18" charset="-127"/>
+                <a:ea typeface="휴먼엑스포" panose="02030504000101010101" pitchFamily="18" charset="-127"/>
+              </a:rPr>
+              <a:t>3. cart.html </a:t>
+            </a:r>
+            <a:r>
+              <a:rPr lang="ko-KR" altLang="en-US" dirty="0" smtClean="0">
+                <a:latin typeface="휴먼엑스포" panose="02030504000101010101" pitchFamily="18" charset="-127"/>
+                <a:ea typeface="휴먼엑스포" panose="02030504000101010101" pitchFamily="18" charset="-127"/>
+              </a:rPr>
+              <a:t>생성 </a:t>
+            </a:r>
+            <a:r>
+              <a:rPr lang="en-US" altLang="ko-KR" dirty="0" smtClean="0">
+                <a:latin typeface="휴먼엑스포" panose="02030504000101010101" pitchFamily="18" charset="-127"/>
+                <a:ea typeface="휴먼엑스포" panose="02030504000101010101" pitchFamily="18" charset="-127"/>
+              </a:rPr>
+              <a:t>– </a:t>
+            </a:r>
+            <a:r>
+              <a:rPr lang="en-US" altLang="ko-KR" dirty="0" smtClean="0">
+                <a:latin typeface="+mn-ea"/>
+              </a:rPr>
+              <a:t>templates/poll/urls.py</a:t>
+            </a:r>
+            <a:endParaRPr lang="en-US" altLang="ko-KR" dirty="0">
+              <a:latin typeface="+mn-ea"/>
+            </a:endParaRPr>
+          </a:p>
+        </p:txBody>
+      </p:sp>
+      <p:pic>
+        <p:nvPicPr>
+          <p:cNvPr id="6" name="그림 5"/>
+          <p:cNvPicPr>
+            <a:picLocks noChangeAspect="1"/>
+          </p:cNvPicPr>
+          <p:nvPr/>
+        </p:nvPicPr>
+        <p:blipFill>
+          <a:blip r:embed="rId2">
+            <a:extLst>
+              <a:ext uri="{28A0092B-C50C-407E-A947-70E740481C1C}">
+                <a14:useLocalDpi xmlns:a14="http://schemas.microsoft.com/office/drawing/2010/main" val="0"/>
+              </a:ext>
+            </a:extLst>
+          </a:blip>
+          <a:stretch>
+            <a:fillRect/>
+          </a:stretch>
+        </p:blipFill>
+        <p:spPr>
+          <a:xfrm>
+            <a:off x="1712640" y="1809856"/>
+            <a:ext cx="3970364" cy="4671465"/>
+          </a:xfrm>
+          <a:prstGeom prst="rect">
+            <a:avLst/>
+          </a:prstGeom>
+          <a:ln>
+            <a:solidFill>
+              <a:schemeClr val="bg1">
+                <a:lumMod val="85000"/>
+              </a:schemeClr>
+            </a:solidFill>
+          </a:ln>
+        </p:spPr>
+      </p:pic>
+      <p:pic>
+        <p:nvPicPr>
+          <p:cNvPr id="7" name="그림 6"/>
+          <p:cNvPicPr>
+            <a:picLocks noChangeAspect="1"/>
+          </p:cNvPicPr>
+          <p:nvPr/>
+        </p:nvPicPr>
+        <p:blipFill>
+          <a:blip r:embed="rId3">
+            <a:extLst>
+              <a:ext uri="{28A0092B-C50C-407E-A947-70E740481C1C}">
+                <a14:useLocalDpi xmlns:a14="http://schemas.microsoft.com/office/drawing/2010/main" val="0"/>
+              </a:ext>
+            </a:extLst>
+          </a:blip>
+          <a:stretch>
+            <a:fillRect/>
+          </a:stretch>
+        </p:blipFill>
+        <p:spPr>
+          <a:xfrm>
+            <a:off x="6033120" y="2276873"/>
+            <a:ext cx="2880320" cy="2183354"/>
+          </a:xfrm>
+          <a:prstGeom prst="rect">
+            <a:avLst/>
+          </a:prstGeom>
+          <a:ln>
+            <a:solidFill>
+              <a:schemeClr val="bg1">
+                <a:lumMod val="85000"/>
+              </a:schemeClr>
+            </a:solidFill>
+          </a:ln>
+        </p:spPr>
+      </p:pic>
+    </p:spTree>
+    <p:extLst>
+      <p:ext uri="{BB962C8B-B14F-4D97-AF65-F5344CB8AC3E}">
+        <p14:creationId xmlns:p14="http://schemas.microsoft.com/office/powerpoint/2010/main" val="2052980238"/>
       </p:ext>
     </p:extLst>
   </p:cSld>
@@ -8406,7 +8677,7 @@
         <p:spPr/>
         <p:txBody>
           <a:bodyPr>
-            <a:normAutofit/>
+            <a:normAutofit fontScale="90000"/>
           </a:bodyPr>
           <a:lstStyle/>
           <a:p>
@@ -8415,10 +8686,9 @@
               <a:t> </a:t>
             </a:r>
             <a:r>
-              <a:rPr lang="ko-KR" altLang="en-US" dirty="0" smtClean="0"/>
-              <a:t>데이터 처리하기</a:t>
-            </a:r>
-            <a:endParaRPr lang="ko-KR" altLang="en-US" dirty="0"/>
+              <a:rPr lang="ko-KR" altLang="en-US" dirty="0"/>
+              <a:t>템플릿으로 질문 목록 페이지 만들기</a:t>
+            </a:r>
           </a:p>
         </p:txBody>
       </p:sp>
@@ -8447,38 +8717,21 @@
       </p:sp>
       <p:sp>
         <p:nvSpPr>
-          <p:cNvPr id="9" name="TextBox 8"/>
-          <p:cNvSpPr txBox="1"/>
+          <p:cNvPr id="5" name="직사각형 4"/>
+          <p:cNvSpPr/>
           <p:nvPr/>
         </p:nvSpPr>
         <p:spPr>
           <a:xfrm>
-            <a:off x="1208584" y="1268760"/>
-            <a:ext cx="5976664" cy="464614"/>
+            <a:off x="1064568" y="1246516"/>
+            <a:ext cx="7272808" cy="454292"/>
           </a:xfrm>
           <a:prstGeom prst="rect">
             <a:avLst/>
           </a:prstGeom>
-          <a:ln>
-            <a:noFill/>
-          </a:ln>
         </p:spPr>
-        <p:style>
-          <a:lnRef idx="2">
-            <a:schemeClr val="dk1"/>
-          </a:lnRef>
-          <a:fillRef idx="1">
-            <a:schemeClr val="lt1"/>
-          </a:fillRef>
-          <a:effectRef idx="0">
-            <a:schemeClr val="dk1"/>
-          </a:effectRef>
-          <a:fontRef idx="minor">
-            <a:schemeClr val="dk1"/>
-          </a:fontRef>
-        </p:style>
-        <p:txBody>
-          <a:bodyPr wrap="square" rtlCol="0">
+        <p:txBody>
+          <a:bodyPr wrap="square">
             <a:spAutoFit/>
           </a:bodyPr>
           <a:lstStyle/>
@@ -8489,76 +8742,24 @@
               </a:lnSpc>
             </a:pPr>
             <a:r>
-              <a:rPr lang="en-US" altLang="ko-KR" dirty="0">
-                <a:latin typeface="휴먼엑스포" panose="02030504000101010101" pitchFamily="18" charset="-127"/>
-                <a:ea typeface="휴먼엑스포" panose="02030504000101010101" pitchFamily="18" charset="-127"/>
-              </a:rPr>
-              <a:t>1</a:t>
-            </a:r>
-            <a:r>
-              <a:rPr lang="en-US" altLang="ko-KR" dirty="0" smtClean="0">
-                <a:latin typeface="휴먼엑스포" panose="02030504000101010101" pitchFamily="18" charset="-127"/>
-                <a:ea typeface="휴먼엑스포" panose="02030504000101010101" pitchFamily="18" charset="-127"/>
-              </a:rPr>
-              <a:t>. cart </a:t>
-            </a:r>
-            <a:r>
-              <a:rPr lang="en-US" altLang="ko-KR" dirty="0" err="1" smtClean="0">
-                <a:latin typeface="휴먼엑스포" panose="02030504000101010101" pitchFamily="18" charset="-127"/>
-                <a:ea typeface="휴먼엑스포" panose="02030504000101010101" pitchFamily="18" charset="-127"/>
-              </a:rPr>
-              <a:t>url</a:t>
-            </a:r>
-            <a:r>
-              <a:rPr lang="en-US" altLang="ko-KR" dirty="0" smtClean="0">
-                <a:latin typeface="휴먼엑스포" panose="02030504000101010101" pitchFamily="18" charset="-127"/>
-                <a:ea typeface="휴먼엑스포" panose="02030504000101010101" pitchFamily="18" charset="-127"/>
-              </a:rPr>
-              <a:t> </a:t>
-            </a:r>
-            <a:r>
-              <a:rPr lang="ko-KR" altLang="en-US" dirty="0" smtClean="0">
-                <a:latin typeface="휴먼엑스포" panose="02030504000101010101" pitchFamily="18" charset="-127"/>
-                <a:ea typeface="휴먼엑스포" panose="02030504000101010101" pitchFamily="18" charset="-127"/>
-              </a:rPr>
-              <a:t>경로 생</a:t>
-            </a:r>
-            <a:r>
-              <a:rPr lang="ko-KR" altLang="en-US" dirty="0">
-                <a:latin typeface="휴먼엑스포" panose="02030504000101010101" pitchFamily="18" charset="-127"/>
-                <a:ea typeface="휴먼엑스포" panose="02030504000101010101" pitchFamily="18" charset="-127"/>
-              </a:rPr>
-              <a:t>성</a:t>
-            </a:r>
-            <a:r>
-              <a:rPr lang="ko-KR" altLang="en-US" dirty="0" smtClean="0">
-                <a:latin typeface="휴먼엑스포" panose="02030504000101010101" pitchFamily="18" charset="-127"/>
-                <a:ea typeface="휴먼엑스포" panose="02030504000101010101" pitchFamily="18" charset="-127"/>
-              </a:rPr>
-              <a:t> </a:t>
-            </a:r>
-            <a:r>
-              <a:rPr lang="en-US" altLang="ko-KR" dirty="0" smtClean="0">
-                <a:latin typeface="휴먼엑스포" panose="02030504000101010101" pitchFamily="18" charset="-127"/>
-                <a:ea typeface="휴먼엑스포" panose="02030504000101010101" pitchFamily="18" charset="-127"/>
-              </a:rPr>
-              <a:t>- </a:t>
-            </a:r>
-            <a:r>
-              <a:rPr lang="en-US" altLang="ko-KR" dirty="0" smtClean="0">
-                <a:latin typeface="+mn-ea"/>
-              </a:rPr>
-              <a:t>poll/urls.py</a:t>
-            </a:r>
-            <a:endParaRPr lang="en-US" altLang="ko-KR" dirty="0">
-              <a:latin typeface="+mn-ea"/>
-            </a:endParaRPr>
+              <a:rPr lang="en-US" altLang="ko-KR" b="1" dirty="0" smtClean="0"/>
+              <a:t> index.html </a:t>
+            </a:r>
+            <a:r>
+              <a:rPr lang="ko-KR" altLang="en-US" b="1" dirty="0" smtClean="0"/>
+              <a:t>만들기</a:t>
+            </a:r>
+            <a:r>
+              <a:rPr lang="en-US" altLang="ko-KR" b="1" dirty="0" smtClean="0"/>
+              <a:t>- templates/poll/index.html</a:t>
+            </a:r>
+            <a:endParaRPr lang="en-US" altLang="ko-KR" b="1" dirty="0"/>
           </a:p>
         </p:txBody>
       </p:sp>
       <p:pic>
         <p:nvPicPr>
-          <p:cNvPr id="3" name="그림 2"/>
+          <p:cNvPr id="8" name="그림 7"/>
           <p:cNvPicPr>
             <a:picLocks noChangeAspect="1"/>
           </p:cNvPicPr>
@@ -8578,8 +8779,8 @@
         </p:blipFill>
         <p:spPr>
           <a:xfrm>
-            <a:off x="1612775" y="1844824"/>
-            <a:ext cx="3916289" cy="1361819"/>
+            <a:off x="1701145" y="2060848"/>
+            <a:ext cx="3124471" cy="1707028"/>
           </a:xfrm>
           <a:prstGeom prst="rect">
             <a:avLst/>
@@ -8593,85 +8794,9 @@
           </a:ln>
         </p:spPr>
       </p:pic>
-      <p:sp>
-        <p:nvSpPr>
-          <p:cNvPr id="10" name="TextBox 9"/>
-          <p:cNvSpPr txBox="1"/>
-          <p:nvPr/>
-        </p:nvSpPr>
-        <p:spPr>
-          <a:xfrm>
-            <a:off x="1208584" y="3356992"/>
-            <a:ext cx="5976664" cy="507831"/>
-          </a:xfrm>
-          <a:prstGeom prst="rect">
-            <a:avLst/>
-          </a:prstGeom>
-          <a:ln>
-            <a:noFill/>
-          </a:ln>
-        </p:spPr>
-        <p:style>
-          <a:lnRef idx="2">
-            <a:schemeClr val="dk1"/>
-          </a:lnRef>
-          <a:fillRef idx="1">
-            <a:schemeClr val="lt1"/>
-          </a:fillRef>
-          <a:effectRef idx="0">
-            <a:schemeClr val="dk1"/>
-          </a:effectRef>
-          <a:fontRef idx="minor">
-            <a:schemeClr val="dk1"/>
-          </a:fontRef>
-        </p:style>
-        <p:txBody>
-          <a:bodyPr wrap="square" rtlCol="0">
-            <a:spAutoFit/>
-          </a:bodyPr>
-          <a:lstStyle/>
-          <a:p>
-            <a:pPr>
-              <a:lnSpc>
-                <a:spcPct val="150000"/>
-              </a:lnSpc>
-            </a:pPr>
-            <a:r>
-              <a:rPr lang="en-US" altLang="ko-KR" dirty="0" smtClean="0">
-                <a:latin typeface="휴먼엑스포" panose="02030504000101010101" pitchFamily="18" charset="-127"/>
-                <a:ea typeface="휴먼엑스포" panose="02030504000101010101" pitchFamily="18" charset="-127"/>
-              </a:rPr>
-              <a:t>2. cart </a:t>
-            </a:r>
-            <a:r>
-              <a:rPr lang="ko-KR" altLang="en-US" dirty="0" smtClean="0">
-                <a:latin typeface="휴먼엑스포" panose="02030504000101010101" pitchFamily="18" charset="-127"/>
-                <a:ea typeface="휴먼엑스포" panose="02030504000101010101" pitchFamily="18" charset="-127"/>
-              </a:rPr>
-              <a:t>함수 생성 </a:t>
-            </a:r>
-            <a:r>
-              <a:rPr lang="en-US" altLang="ko-KR" dirty="0" smtClean="0">
-                <a:latin typeface="휴먼엑스포" panose="02030504000101010101" pitchFamily="18" charset="-127"/>
-                <a:ea typeface="휴먼엑스포" panose="02030504000101010101" pitchFamily="18" charset="-127"/>
-              </a:rPr>
-              <a:t>- </a:t>
-            </a:r>
-            <a:r>
-              <a:rPr lang="en-US" altLang="ko-KR" dirty="0" smtClean="0">
-                <a:latin typeface="+mn-ea"/>
-              </a:rPr>
-              <a:t>poll/views.py</a:t>
-            </a:r>
-            <a:endParaRPr lang="en-US" altLang="ko-KR" dirty="0">
-              <a:latin typeface="+mn-ea"/>
-            </a:endParaRPr>
-          </a:p>
-        </p:txBody>
-      </p:sp>
       <p:pic>
         <p:nvPicPr>
-          <p:cNvPr id="5" name="그림 4"/>
+          <p:cNvPr id="3" name="그림 2"/>
           <p:cNvPicPr>
             <a:picLocks noChangeAspect="1"/>
           </p:cNvPicPr>
@@ -8691,8 +8816,8 @@
         </p:blipFill>
         <p:spPr>
           <a:xfrm>
-            <a:off x="1612775" y="3919855"/>
-            <a:ext cx="5113463" cy="2461473"/>
+            <a:off x="1701145" y="4118789"/>
+            <a:ext cx="6395581" cy="1749356"/>
           </a:xfrm>
           <a:prstGeom prst="rect">
             <a:avLst/>
@@ -8709,7 +8834,7 @@
     </p:spTree>
     <p:extLst>
       <p:ext uri="{BB962C8B-B14F-4D97-AF65-F5344CB8AC3E}">
-        <p14:creationId xmlns:p14="http://schemas.microsoft.com/office/powerpoint/2010/main" val="1750812146"/>
+        <p14:creationId xmlns:p14="http://schemas.microsoft.com/office/powerpoint/2010/main" val="1197710377"/>
       </p:ext>
     </p:extLst>
   </p:cSld>
@@ -8756,7 +8881,7 @@
         <p:spPr/>
         <p:txBody>
           <a:bodyPr>
-            <a:normAutofit/>
+            <a:normAutofit fontScale="90000"/>
           </a:bodyPr>
           <a:lstStyle/>
           <a:p>
@@ -8765,10 +8890,9 @@
               <a:t> </a:t>
             </a:r>
             <a:r>
-              <a:rPr lang="ko-KR" altLang="en-US" dirty="0" smtClean="0"/>
-              <a:t>데이터 처리하기</a:t>
-            </a:r>
-            <a:endParaRPr lang="ko-KR" altLang="en-US" dirty="0"/>
+              <a:rPr lang="ko-KR" altLang="en-US" dirty="0"/>
+              <a:t>템플릿으로 질문 목록 페이지 만들기</a:t>
+            </a:r>
           </a:p>
         </p:txBody>
       </p:sp>
@@ -8790,244 +8914,6 @@
             <a:fld id="{1BDE3FE7-3AEA-4B05-AC5A-802D1816ACF0}" type="slidenum">
               <a:rPr lang="ko-KR" altLang="en-US" smtClean="0"/>
               <a:t>6</a:t>
-            </a:fld>
-            <a:endParaRPr lang="ko-KR" altLang="en-US"/>
-          </a:p>
-        </p:txBody>
-      </p:sp>
-      <p:sp>
-        <p:nvSpPr>
-          <p:cNvPr id="9" name="TextBox 8"/>
-          <p:cNvSpPr txBox="1"/>
-          <p:nvPr/>
-        </p:nvSpPr>
-        <p:spPr>
-          <a:xfrm>
-            <a:off x="1208584" y="1268760"/>
-            <a:ext cx="5976664" cy="507831"/>
-          </a:xfrm>
-          <a:prstGeom prst="rect">
-            <a:avLst/>
-          </a:prstGeom>
-          <a:ln>
-            <a:noFill/>
-          </a:ln>
-        </p:spPr>
-        <p:style>
-          <a:lnRef idx="2">
-            <a:schemeClr val="dk1"/>
-          </a:lnRef>
-          <a:fillRef idx="1">
-            <a:schemeClr val="lt1"/>
-          </a:fillRef>
-          <a:effectRef idx="0">
-            <a:schemeClr val="dk1"/>
-          </a:effectRef>
-          <a:fontRef idx="minor">
-            <a:schemeClr val="dk1"/>
-          </a:fontRef>
-        </p:style>
-        <p:txBody>
-          <a:bodyPr wrap="square" rtlCol="0">
-            <a:spAutoFit/>
-          </a:bodyPr>
-          <a:lstStyle/>
-          <a:p>
-            <a:pPr>
-              <a:lnSpc>
-                <a:spcPct val="150000"/>
-              </a:lnSpc>
-            </a:pPr>
-            <a:r>
-              <a:rPr lang="en-US" altLang="ko-KR" dirty="0" smtClean="0">
-                <a:latin typeface="휴먼엑스포" panose="02030504000101010101" pitchFamily="18" charset="-127"/>
-                <a:ea typeface="휴먼엑스포" panose="02030504000101010101" pitchFamily="18" charset="-127"/>
-              </a:rPr>
-              <a:t>3. cart.html </a:t>
-            </a:r>
-            <a:r>
-              <a:rPr lang="ko-KR" altLang="en-US" dirty="0" smtClean="0">
-                <a:latin typeface="휴먼엑스포" panose="02030504000101010101" pitchFamily="18" charset="-127"/>
-                <a:ea typeface="휴먼엑스포" panose="02030504000101010101" pitchFamily="18" charset="-127"/>
-              </a:rPr>
-              <a:t>생성 </a:t>
-            </a:r>
-            <a:r>
-              <a:rPr lang="en-US" altLang="ko-KR" dirty="0" smtClean="0">
-                <a:latin typeface="휴먼엑스포" panose="02030504000101010101" pitchFamily="18" charset="-127"/>
-                <a:ea typeface="휴먼엑스포" panose="02030504000101010101" pitchFamily="18" charset="-127"/>
-              </a:rPr>
-              <a:t>– </a:t>
-            </a:r>
-            <a:r>
-              <a:rPr lang="en-US" altLang="ko-KR" dirty="0" smtClean="0">
-                <a:latin typeface="+mn-ea"/>
-              </a:rPr>
-              <a:t>templates/poll/urls.py</a:t>
-            </a:r>
-            <a:endParaRPr lang="en-US" altLang="ko-KR" dirty="0">
-              <a:latin typeface="+mn-ea"/>
-            </a:endParaRPr>
-          </a:p>
-        </p:txBody>
-      </p:sp>
-      <p:pic>
-        <p:nvPicPr>
-          <p:cNvPr id="6" name="그림 5"/>
-          <p:cNvPicPr>
-            <a:picLocks noChangeAspect="1"/>
-          </p:cNvPicPr>
-          <p:nvPr/>
-        </p:nvPicPr>
-        <p:blipFill>
-          <a:blip r:embed="rId2">
-            <a:extLst>
-              <a:ext uri="{28A0092B-C50C-407E-A947-70E740481C1C}">
-                <a14:useLocalDpi xmlns:a14="http://schemas.microsoft.com/office/drawing/2010/main" val="0"/>
-              </a:ext>
-            </a:extLst>
-          </a:blip>
-          <a:stretch>
-            <a:fillRect/>
-          </a:stretch>
-        </p:blipFill>
-        <p:spPr>
-          <a:xfrm>
-            <a:off x="1712640" y="1809856"/>
-            <a:ext cx="3970364" cy="4671465"/>
-          </a:xfrm>
-          <a:prstGeom prst="rect">
-            <a:avLst/>
-          </a:prstGeom>
-          <a:ln>
-            <a:solidFill>
-              <a:schemeClr val="bg1">
-                <a:lumMod val="85000"/>
-              </a:schemeClr>
-            </a:solidFill>
-          </a:ln>
-        </p:spPr>
-      </p:pic>
-      <p:pic>
-        <p:nvPicPr>
-          <p:cNvPr id="7" name="그림 6"/>
-          <p:cNvPicPr>
-            <a:picLocks noChangeAspect="1"/>
-          </p:cNvPicPr>
-          <p:nvPr/>
-        </p:nvPicPr>
-        <p:blipFill>
-          <a:blip r:embed="rId3">
-            <a:extLst>
-              <a:ext uri="{28A0092B-C50C-407E-A947-70E740481C1C}">
-                <a14:useLocalDpi xmlns:a14="http://schemas.microsoft.com/office/drawing/2010/main" val="0"/>
-              </a:ext>
-            </a:extLst>
-          </a:blip>
-          <a:stretch>
-            <a:fillRect/>
-          </a:stretch>
-        </p:blipFill>
-        <p:spPr>
-          <a:xfrm>
-            <a:off x="6033120" y="2276873"/>
-            <a:ext cx="2880320" cy="2183354"/>
-          </a:xfrm>
-          <a:prstGeom prst="rect">
-            <a:avLst/>
-          </a:prstGeom>
-          <a:ln>
-            <a:solidFill>
-              <a:schemeClr val="bg1">
-                <a:lumMod val="85000"/>
-              </a:schemeClr>
-            </a:solidFill>
-          </a:ln>
-        </p:spPr>
-      </p:pic>
-    </p:spTree>
-    <p:extLst>
-      <p:ext uri="{BB962C8B-B14F-4D97-AF65-F5344CB8AC3E}">
-        <p14:creationId xmlns:p14="http://schemas.microsoft.com/office/powerpoint/2010/main" val="633969902"/>
-      </p:ext>
-    </p:extLst>
-  </p:cSld>
-  <p:clrMapOvr>
-    <a:masterClrMapping/>
-  </p:clrMapOvr>
-  <p:timing>
-    <p:tnLst>
-      <p:par>
-        <p:cTn id="1" dur="indefinite" restart="never" nodeType="tmRoot"/>
-      </p:par>
-    </p:tnLst>
-  </p:timing>
-</p:sld>
-</file>
-
-<file path=ppt/slides/slide7.xml><?xml version="1.0" encoding="utf-8"?>
-<p:sld xmlns:a="http://schemas.openxmlformats.org/drawingml/2006/main" xmlns:r="http://schemas.openxmlformats.org/officeDocument/2006/relationships" xmlns:p="http://schemas.openxmlformats.org/presentationml/2006/main">
-  <p:cSld>
-    <p:spTree>
-      <p:nvGrpSpPr>
-        <p:cNvPr id="1" name=""/>
-        <p:cNvGrpSpPr/>
-        <p:nvPr/>
-      </p:nvGrpSpPr>
-      <p:grpSpPr>
-        <a:xfrm>
-          <a:off x="0" y="0"/>
-          <a:ext cx="0" cy="0"/>
-          <a:chOff x="0" y="0"/>
-          <a:chExt cx="0" cy="0"/>
-        </a:xfrm>
-      </p:grpSpPr>
-      <p:sp>
-        <p:nvSpPr>
-          <p:cNvPr id="2" name="제목 1"/>
-          <p:cNvSpPr>
-            <a:spLocks noGrp="1"/>
-          </p:cNvSpPr>
-          <p:nvPr>
-            <p:ph type="title"/>
-          </p:nvPr>
-        </p:nvSpPr>
-        <p:spPr/>
-        <p:txBody>
-          <a:bodyPr>
-            <a:normAutofit fontScale="90000"/>
-          </a:bodyPr>
-          <a:lstStyle/>
-          <a:p>
-            <a:r>
-              <a:rPr lang="en-US" altLang="ko-KR" dirty="0" smtClean="0"/>
-              <a:t> </a:t>
-            </a:r>
-            <a:r>
-              <a:rPr lang="ko-KR" altLang="en-US" dirty="0"/>
-              <a:t>템플릿으로 질문 목록 페이지 만들기</a:t>
-            </a:r>
-          </a:p>
-        </p:txBody>
-      </p:sp>
-      <p:sp>
-        <p:nvSpPr>
-          <p:cNvPr id="4" name="슬라이드 번호 개체 틀 3"/>
-          <p:cNvSpPr>
-            <a:spLocks noGrp="1"/>
-          </p:cNvSpPr>
-          <p:nvPr>
-            <p:ph type="sldNum" sz="quarter" idx="12"/>
-          </p:nvPr>
-        </p:nvSpPr>
-        <p:spPr/>
-        <p:txBody>
-          <a:bodyPr/>
-          <a:lstStyle/>
-          <a:p>
-            <a:fld id="{1BDE3FE7-3AEA-4B05-AC5A-802D1816ACF0}" type="slidenum">
-              <a:rPr lang="ko-KR" altLang="en-US" smtClean="0"/>
-              <a:t>7</a:t>
             </a:fld>
             <a:endParaRPr lang="ko-KR" altLang="en-US"/>
           </a:p>
@@ -9152,7 +9038,7 @@
     </p:spTree>
     <p:extLst>
       <p:ext uri="{BB962C8B-B14F-4D97-AF65-F5344CB8AC3E}">
-        <p14:creationId xmlns:p14="http://schemas.microsoft.com/office/powerpoint/2010/main" val="1197710377"/>
+        <p14:creationId xmlns:p14="http://schemas.microsoft.com/office/powerpoint/2010/main" val="1448547976"/>
       </p:ext>
     </p:extLst>
   </p:cSld>
@@ -9169,7 +9055,7 @@
 </p:sld>
 </file>
 
-<file path=ppt/slides/slide8.xml><?xml version="1.0" encoding="utf-8"?>
+<file path=ppt/slides/slide7.xml><?xml version="1.0" encoding="utf-8"?>
 <p:sld xmlns:a="http://schemas.openxmlformats.org/drawingml/2006/main" xmlns:r="http://schemas.openxmlformats.org/officeDocument/2006/relationships" xmlns:p="http://schemas.openxmlformats.org/presentationml/2006/main">
   <p:cSld>
     <p:spTree>
@@ -9231,7 +9117,7 @@
           <a:p>
             <a:fld id="{1BDE3FE7-3AEA-4B05-AC5A-802D1816ACF0}" type="slidenum">
               <a:rPr lang="ko-KR" altLang="en-US" smtClean="0"/>
-              <a:t>8</a:t>
+              <a:t>7</a:t>
             </a:fld>
             <a:endParaRPr lang="ko-KR" altLang="en-US"/>
           </a:p>
@@ -9975,7 +9861,7 @@
 </p:sld>
 </file>
 
-<file path=ppt/slides/slide9.xml><?xml version="1.0" encoding="utf-8"?>
+<file path=ppt/slides/slide8.xml><?xml version="1.0" encoding="utf-8"?>
 <p:sld xmlns:a="http://schemas.openxmlformats.org/drawingml/2006/main" xmlns:r="http://schemas.openxmlformats.org/officeDocument/2006/relationships" xmlns:p="http://schemas.openxmlformats.org/presentationml/2006/main">
   <p:cSld>
     <p:spTree>
@@ -10041,7 +9927,7 @@
           <a:p>
             <a:fld id="{1BDE3FE7-3AEA-4B05-AC5A-802D1816ACF0}" type="slidenum">
               <a:rPr lang="ko-KR" altLang="en-US" smtClean="0"/>
-              <a:t>9</a:t>
+              <a:t>8</a:t>
             </a:fld>
             <a:endParaRPr lang="ko-KR" altLang="en-US"/>
           </a:p>
@@ -10446,6 +10332,284 @@
     <p:extLst>
       <p:ext uri="{BB962C8B-B14F-4D97-AF65-F5344CB8AC3E}">
         <p14:creationId xmlns:p14="http://schemas.microsoft.com/office/powerpoint/2010/main" val="2790169880"/>
+      </p:ext>
+    </p:extLst>
+  </p:cSld>
+  <p:clrMapOvr>
+    <a:masterClrMapping/>
+  </p:clrMapOvr>
+  <p:timing>
+    <p:tnLst>
+      <p:par>
+        <p:cTn id="1" dur="indefinite" restart="never" nodeType="tmRoot"/>
+      </p:par>
+    </p:tnLst>
+  </p:timing>
+</p:sld>
+</file>
+
+<file path=ppt/slides/slide9.xml><?xml version="1.0" encoding="utf-8"?>
+<p:sld xmlns:a="http://schemas.openxmlformats.org/drawingml/2006/main" xmlns:r="http://schemas.openxmlformats.org/officeDocument/2006/relationships" xmlns:p="http://schemas.openxmlformats.org/presentationml/2006/main">
+  <p:cSld>
+    <p:spTree>
+      <p:nvGrpSpPr>
+        <p:cNvPr id="1" name=""/>
+        <p:cNvGrpSpPr/>
+        <p:nvPr/>
+      </p:nvGrpSpPr>
+      <p:grpSpPr>
+        <a:xfrm>
+          <a:off x="0" y="0"/>
+          <a:ext cx="0" cy="0"/>
+          <a:chOff x="0" y="0"/>
+          <a:chExt cx="0" cy="0"/>
+        </a:xfrm>
+      </p:grpSpPr>
+      <p:sp>
+        <p:nvSpPr>
+          <p:cNvPr id="2" name="제목 1"/>
+          <p:cNvSpPr>
+            <a:spLocks noGrp="1"/>
+          </p:cNvSpPr>
+          <p:nvPr>
+            <p:ph type="title"/>
+          </p:nvPr>
+        </p:nvSpPr>
+        <p:spPr/>
+        <p:txBody>
+          <a:bodyPr>
+            <a:normAutofit/>
+          </a:bodyPr>
+          <a:lstStyle/>
+          <a:p>
+            <a:r>
+              <a:rPr lang="en-US" altLang="ko-KR" dirty="0"/>
+              <a:t> </a:t>
+            </a:r>
+            <a:r>
+              <a:rPr lang="ko-KR" altLang="en-US" dirty="0" smtClean="0"/>
+              <a:t>설문 상세 </a:t>
+            </a:r>
+            <a:r>
+              <a:rPr lang="ko-KR" altLang="en-US" dirty="0"/>
+              <a:t>페이지 만들기</a:t>
+            </a:r>
+          </a:p>
+        </p:txBody>
+      </p:sp>
+      <p:sp>
+        <p:nvSpPr>
+          <p:cNvPr id="4" name="슬라이드 번호 개체 틀 3"/>
+          <p:cNvSpPr>
+            <a:spLocks noGrp="1"/>
+          </p:cNvSpPr>
+          <p:nvPr>
+            <p:ph type="sldNum" sz="quarter" idx="12"/>
+          </p:nvPr>
+        </p:nvSpPr>
+        <p:spPr/>
+        <p:txBody>
+          <a:bodyPr/>
+          <a:lstStyle/>
+          <a:p>
+            <a:fld id="{1BDE3FE7-3AEA-4B05-AC5A-802D1816ACF0}" type="slidenum">
+              <a:rPr lang="ko-KR" altLang="en-US" smtClean="0"/>
+              <a:t>9</a:t>
+            </a:fld>
+            <a:endParaRPr lang="ko-KR" altLang="en-US"/>
+          </a:p>
+        </p:txBody>
+      </p:sp>
+      <p:sp>
+        <p:nvSpPr>
+          <p:cNvPr id="7" name="TextBox 6"/>
+          <p:cNvSpPr txBox="1"/>
+          <p:nvPr/>
+        </p:nvSpPr>
+        <p:spPr>
+          <a:xfrm>
+            <a:off x="992560" y="1124744"/>
+            <a:ext cx="4536504" cy="553998"/>
+          </a:xfrm>
+          <a:prstGeom prst="rect">
+            <a:avLst/>
+          </a:prstGeom>
+          <a:ln>
+            <a:noFill/>
+          </a:ln>
+        </p:spPr>
+        <p:style>
+          <a:lnRef idx="2">
+            <a:schemeClr val="dk1"/>
+          </a:lnRef>
+          <a:fillRef idx="1">
+            <a:schemeClr val="lt1"/>
+          </a:fillRef>
+          <a:effectRef idx="0">
+            <a:schemeClr val="dk1"/>
+          </a:effectRef>
+          <a:fontRef idx="minor">
+            <a:schemeClr val="dk1"/>
+          </a:fontRef>
+        </p:style>
+        <p:txBody>
+          <a:bodyPr wrap="square" rtlCol="0">
+            <a:spAutoFit/>
+          </a:bodyPr>
+          <a:lstStyle/>
+          <a:p>
+            <a:pPr marL="342900" indent="-342900">
+              <a:lnSpc>
+                <a:spcPct val="150000"/>
+              </a:lnSpc>
+              <a:buFont typeface="Wingdings" panose="05000000000000000000" pitchFamily="2" charset="2"/>
+              <a:buChar char="u"/>
+            </a:pPr>
+            <a:r>
+              <a:rPr lang="ko-KR" altLang="en-US" sz="2000" dirty="0" smtClean="0">
+                <a:latin typeface="휴먼엑스포" panose="02030504000101010101" pitchFamily="18" charset="-127"/>
+                <a:ea typeface="휴먼엑스포" panose="02030504000101010101" pitchFamily="18" charset="-127"/>
+              </a:rPr>
+              <a:t>설</a:t>
+            </a:r>
+            <a:r>
+              <a:rPr lang="ko-KR" altLang="en-US" sz="2000" dirty="0">
+                <a:latin typeface="휴먼엑스포" panose="02030504000101010101" pitchFamily="18" charset="-127"/>
+                <a:ea typeface="휴먼엑스포" panose="02030504000101010101" pitchFamily="18" charset="-127"/>
+              </a:rPr>
+              <a:t>문</a:t>
+            </a:r>
+            <a:r>
+              <a:rPr lang="ko-KR" altLang="en-US" sz="2000" dirty="0" smtClean="0">
+                <a:latin typeface="휴먼엑스포" panose="02030504000101010101" pitchFamily="18" charset="-127"/>
+                <a:ea typeface="휴먼엑스포" panose="02030504000101010101" pitchFamily="18" charset="-127"/>
+              </a:rPr>
+              <a:t> 상세 페이지</a:t>
+            </a:r>
+            <a:endParaRPr lang="en-US" altLang="ko-KR" sz="2000" dirty="0" smtClean="0">
+              <a:latin typeface="휴먼엑스포" panose="02030504000101010101" pitchFamily="18" charset="-127"/>
+              <a:ea typeface="휴먼엑스포" panose="02030504000101010101" pitchFamily="18" charset="-127"/>
+            </a:endParaRPr>
+          </a:p>
+        </p:txBody>
+      </p:sp>
+      <p:sp>
+        <p:nvSpPr>
+          <p:cNvPr id="9" name="TextBox 8"/>
+          <p:cNvSpPr txBox="1"/>
+          <p:nvPr/>
+        </p:nvSpPr>
+        <p:spPr>
+          <a:xfrm>
+            <a:off x="1397293" y="1628800"/>
+            <a:ext cx="4824536" cy="454292"/>
+          </a:xfrm>
+          <a:prstGeom prst="rect">
+            <a:avLst/>
+          </a:prstGeom>
+          <a:noFill/>
+        </p:spPr>
+        <p:txBody>
+          <a:bodyPr wrap="square" rtlCol="0">
+            <a:spAutoFit/>
+          </a:bodyPr>
+          <a:lstStyle/>
+          <a:p>
+            <a:pPr>
+              <a:lnSpc>
+                <a:spcPct val="150000"/>
+              </a:lnSpc>
+            </a:pPr>
+            <a:r>
+              <a:rPr lang="en-US" altLang="ko-KR" dirty="0" smtClean="0"/>
+              <a:t>3. poll/detail.html </a:t>
+            </a:r>
+            <a:r>
+              <a:rPr lang="ko-KR" altLang="en-US" dirty="0" smtClean="0"/>
+              <a:t>작성</a:t>
+            </a:r>
+            <a:endParaRPr lang="en-US" altLang="ko-KR" dirty="0" smtClean="0"/>
+          </a:p>
+        </p:txBody>
+      </p:sp>
+      <p:pic>
+        <p:nvPicPr>
+          <p:cNvPr id="3" name="그림 2"/>
+          <p:cNvPicPr>
+            <a:picLocks noChangeAspect="1"/>
+          </p:cNvPicPr>
+          <p:nvPr/>
+        </p:nvPicPr>
+        <p:blipFill>
+          <a:blip r:embed="rId2">
+            <a:extLst>
+              <a:ext uri="{28A0092B-C50C-407E-A947-70E740481C1C}">
+                <a14:useLocalDpi xmlns:a14="http://schemas.microsoft.com/office/drawing/2010/main" val="0"/>
+              </a:ext>
+            </a:extLst>
+          </a:blip>
+          <a:stretch>
+            <a:fillRect/>
+          </a:stretch>
+        </p:blipFill>
+        <p:spPr>
+          <a:xfrm>
+            <a:off x="1640632" y="4302682"/>
+            <a:ext cx="6115004" cy="1944216"/>
+          </a:xfrm>
+          <a:prstGeom prst="rect">
+            <a:avLst/>
+          </a:prstGeom>
+          <a:ln>
+            <a:solidFill>
+              <a:schemeClr val="bg1">
+                <a:lumMod val="85000"/>
+              </a:schemeClr>
+            </a:solidFill>
+          </a:ln>
+        </p:spPr>
+      </p:pic>
+      <p:pic>
+        <p:nvPicPr>
+          <p:cNvPr id="8" name="그림 7"/>
+          <p:cNvPicPr>
+            <a:picLocks noChangeAspect="1"/>
+          </p:cNvPicPr>
+          <p:nvPr/>
+        </p:nvPicPr>
+        <p:blipFill>
+          <a:blip r:embed="rId3">
+            <a:extLst>
+              <a:ext uri="{28A0092B-C50C-407E-A947-70E740481C1C}">
+                <a14:useLocalDpi xmlns:a14="http://schemas.microsoft.com/office/drawing/2010/main" val="0"/>
+              </a:ext>
+            </a:extLst>
+          </a:blip>
+          <a:stretch>
+            <a:fillRect/>
+          </a:stretch>
+        </p:blipFill>
+        <p:spPr>
+          <a:xfrm>
+            <a:off x="1640632" y="2214450"/>
+            <a:ext cx="3429297" cy="1905165"/>
+          </a:xfrm>
+          <a:prstGeom prst="rect">
+            <a:avLst/>
+          </a:prstGeom>
+          <a:ln>
+            <a:solidFill>
+              <a:schemeClr val="bg1">
+                <a:lumMod val="85000"/>
+              </a:schemeClr>
+            </a:solidFill>
+          </a:ln>
+        </p:spPr>
+      </p:pic>
+    </p:spTree>
+    <p:extLst>
+      <p:ext uri="{BB962C8B-B14F-4D97-AF65-F5344CB8AC3E}">
+        <p14:creationId xmlns:p14="http://schemas.microsoft.com/office/powerpoint/2010/main" val="251284593"/>
       </p:ext>
     </p:extLst>
   </p:cSld>
